--- a/APRESENTAÇÃO  GRUPO 4 - TRABALHO 01.pptx
+++ b/APRESENTAÇÃO  GRUPO 4 - TRABALHO 01.pptx
@@ -5,23 +5,21 @@
     <p:sldMasterId id="2147483648" r:id="rId4"/>
   </p:sldMasterIdLst>
   <p:notesMasterIdLst>
-    <p:notesMasterId r:id="rId16"/>
+    <p:notesMasterId r:id="rId14"/>
   </p:notesMasterIdLst>
   <p:handoutMasterIdLst>
-    <p:handoutMasterId r:id="rId17"/>
+    <p:handoutMasterId r:id="rId15"/>
   </p:handoutMasterIdLst>
   <p:sldIdLst>
-    <p:sldId id="256" r:id="rId5"/>
-    <p:sldId id="257" r:id="rId6"/>
-    <p:sldId id="278" r:id="rId7"/>
-    <p:sldId id="279" r:id="rId8"/>
-    <p:sldId id="258" r:id="rId9"/>
-    <p:sldId id="280" r:id="rId10"/>
-    <p:sldId id="281" r:id="rId11"/>
-    <p:sldId id="282" r:id="rId12"/>
-    <p:sldId id="284" r:id="rId13"/>
-    <p:sldId id="285" r:id="rId14"/>
-    <p:sldId id="271" r:id="rId15"/>
+    <p:sldId id="257" r:id="rId5"/>
+    <p:sldId id="279" r:id="rId6"/>
+    <p:sldId id="258" r:id="rId7"/>
+    <p:sldId id="280" r:id="rId8"/>
+    <p:sldId id="281" r:id="rId9"/>
+    <p:sldId id="282" r:id="rId10"/>
+    <p:sldId id="284" r:id="rId11"/>
+    <p:sldId id="285" r:id="rId12"/>
+    <p:sldId id="271" r:id="rId13"/>
   </p:sldIdLst>
   <p:sldSz cx="12192000" cy="6858000"/>
   <p:notesSz cx="6858000" cy="9144000"/>
@@ -770,101 +768,7 @@
     </p:spTree>
     <p:extLst>
       <p:ext uri="{BB962C8B-B14F-4D97-AF65-F5344CB8AC3E}">
-        <p14:creationId xmlns:p14="http://schemas.microsoft.com/office/powerpoint/2010/main" val="1778128888"/>
-      </p:ext>
-    </p:extLst>
-  </p:cSld>
-  <p:clrMapOvr>
-    <a:masterClrMapping/>
-  </p:clrMapOvr>
-</p:notes>
-</file>
-
-<file path=ppt/notesSlides/notesSlide10.xml><?xml version="1.0" encoding="utf-8"?>
-<p:notes xmlns:a="http://schemas.openxmlformats.org/drawingml/2006/main" xmlns:r="http://schemas.openxmlformats.org/officeDocument/2006/relationships" xmlns:p="http://schemas.openxmlformats.org/presentationml/2006/main">
-  <p:cSld>
-    <p:spTree>
-      <p:nvGrpSpPr>
-        <p:cNvPr id="1" name=""/>
-        <p:cNvGrpSpPr/>
-        <p:nvPr/>
-      </p:nvGrpSpPr>
-      <p:grpSpPr>
-        <a:xfrm>
-          <a:off x="0" y="0"/>
-          <a:ext cx="0" cy="0"/>
-          <a:chOff x="0" y="0"/>
-          <a:chExt cx="0" cy="0"/>
-        </a:xfrm>
-      </p:grpSpPr>
-      <p:sp>
-        <p:nvSpPr>
-          <p:cNvPr id="2" name="Espaço Reservado para Imagem do Slide 1"/>
-          <p:cNvSpPr>
-            <a:spLocks noGrp="1" noRot="1" noChangeAspect="1"/>
-          </p:cNvSpPr>
-          <p:nvPr>
-            <p:ph type="sldImg"/>
-          </p:nvPr>
-        </p:nvSpPr>
-        <p:spPr/>
-      </p:sp>
-      <p:sp>
-        <p:nvSpPr>
-          <p:cNvPr id="3" name="Espaço Reservado para Notas 2"/>
-          <p:cNvSpPr>
-            <a:spLocks noGrp="1"/>
-          </p:cNvSpPr>
-          <p:nvPr>
-            <p:ph type="body" idx="1"/>
-          </p:nvPr>
-        </p:nvSpPr>
-        <p:spPr/>
-        <p:txBody>
-          <a:bodyPr rtlCol="0"/>
-          <a:lstStyle>
-            <a:defPPr>
-              <a:defRPr lang="pt-BR"/>
-            </a:defPPr>
-          </a:lstStyle>
-          <a:p>
-            <a:pPr rtl="0"/>
-            <a:endParaRPr lang="pt-BR" dirty="0"/>
-          </a:p>
-        </p:txBody>
-      </p:sp>
-      <p:sp>
-        <p:nvSpPr>
-          <p:cNvPr id="4" name="Espaço Reservado para o Número do Slide 3"/>
-          <p:cNvSpPr>
-            <a:spLocks noGrp="1"/>
-          </p:cNvSpPr>
-          <p:nvPr>
-            <p:ph type="sldNum" sz="quarter" idx="5"/>
-          </p:nvPr>
-        </p:nvSpPr>
-        <p:spPr/>
-        <p:txBody>
-          <a:bodyPr rtlCol="0"/>
-          <a:lstStyle>
-            <a:defPPr>
-              <a:defRPr lang="pt-BR"/>
-            </a:defPPr>
-          </a:lstStyle>
-          <a:p>
-            <a:pPr rtl="0"/>
-            <a:fld id="{22289C57-55D7-40A4-A101-E74FAC7A092B}" type="slidenum">
-              <a:rPr lang="pt-BR" smtClean="0"/>
-              <a:t>11</a:t>
-            </a:fld>
-            <a:endParaRPr lang="pt-BR" dirty="0"/>
-          </a:p>
-        </p:txBody>
-      </p:sp>
-    </p:spTree>
-    <p:extLst>
-      <p:ext uri="{BB962C8B-B14F-4D97-AF65-F5344CB8AC3E}">
-        <p14:creationId xmlns:p14="http://schemas.microsoft.com/office/powerpoint/2010/main" val="702683811"/>
+        <p14:creationId xmlns:p14="http://schemas.microsoft.com/office/powerpoint/2010/main" val="4040438963"/>
       </p:ext>
     </p:extLst>
   </p:cSld>
@@ -958,7 +862,7 @@
     </p:spTree>
     <p:extLst>
       <p:ext uri="{BB962C8B-B14F-4D97-AF65-F5344CB8AC3E}">
-        <p14:creationId xmlns:p14="http://schemas.microsoft.com/office/powerpoint/2010/main" val="4040438963"/>
+        <p14:creationId xmlns:p14="http://schemas.microsoft.com/office/powerpoint/2010/main" val="2090324125"/>
       </p:ext>
     </p:extLst>
   </p:cSld>
@@ -1052,7 +956,7 @@
     </p:spTree>
     <p:extLst>
       <p:ext uri="{BB962C8B-B14F-4D97-AF65-F5344CB8AC3E}">
-        <p14:creationId xmlns:p14="http://schemas.microsoft.com/office/powerpoint/2010/main" val="2182522689"/>
+        <p14:creationId xmlns:p14="http://schemas.microsoft.com/office/powerpoint/2010/main" val="2843954456"/>
       </p:ext>
     </p:extLst>
   </p:cSld>
@@ -1146,7 +1050,7 @@
     </p:spTree>
     <p:extLst>
       <p:ext uri="{BB962C8B-B14F-4D97-AF65-F5344CB8AC3E}">
-        <p14:creationId xmlns:p14="http://schemas.microsoft.com/office/powerpoint/2010/main" val="2090324125"/>
+        <p14:creationId xmlns:p14="http://schemas.microsoft.com/office/powerpoint/2010/main" val="2066144023"/>
       </p:ext>
     </p:extLst>
   </p:cSld>
@@ -1240,7 +1144,7 @@
     </p:spTree>
     <p:extLst>
       <p:ext uri="{BB962C8B-B14F-4D97-AF65-F5344CB8AC3E}">
-        <p14:creationId xmlns:p14="http://schemas.microsoft.com/office/powerpoint/2010/main" val="2843954456"/>
+        <p14:creationId xmlns:p14="http://schemas.microsoft.com/office/powerpoint/2010/main" val="1025326889"/>
       </p:ext>
     </p:extLst>
   </p:cSld>
@@ -1334,7 +1238,7 @@
     </p:spTree>
     <p:extLst>
       <p:ext uri="{BB962C8B-B14F-4D97-AF65-F5344CB8AC3E}">
-        <p14:creationId xmlns:p14="http://schemas.microsoft.com/office/powerpoint/2010/main" val="2066144023"/>
+        <p14:creationId xmlns:p14="http://schemas.microsoft.com/office/powerpoint/2010/main" val="236659336"/>
       </p:ext>
     </p:extLst>
   </p:cSld>
@@ -1428,7 +1332,7 @@
     </p:spTree>
     <p:extLst>
       <p:ext uri="{BB962C8B-B14F-4D97-AF65-F5344CB8AC3E}">
-        <p14:creationId xmlns:p14="http://schemas.microsoft.com/office/powerpoint/2010/main" val="1025326889"/>
+        <p14:creationId xmlns:p14="http://schemas.microsoft.com/office/powerpoint/2010/main" val="575465472"/>
       </p:ext>
     </p:extLst>
   </p:cSld>
@@ -1513,7 +1417,7 @@
             <a:pPr rtl="0"/>
             <a:fld id="{22289C57-55D7-40A4-A101-E74FAC7A092B}" type="slidenum">
               <a:rPr lang="pt-BR" smtClean="0"/>
-              <a:t>8</a:t>
+              <a:t>9</a:t>
             </a:fld>
             <a:endParaRPr lang="pt-BR" dirty="0"/>
           </a:p>
@@ -1522,101 +1426,7 @@
     </p:spTree>
     <p:extLst>
       <p:ext uri="{BB962C8B-B14F-4D97-AF65-F5344CB8AC3E}">
-        <p14:creationId xmlns:p14="http://schemas.microsoft.com/office/powerpoint/2010/main" val="236659336"/>
-      </p:ext>
-    </p:extLst>
-  </p:cSld>
-  <p:clrMapOvr>
-    <a:masterClrMapping/>
-  </p:clrMapOvr>
-</p:notes>
-</file>
-
-<file path=ppt/notesSlides/notesSlide9.xml><?xml version="1.0" encoding="utf-8"?>
-<p:notes xmlns:a="http://schemas.openxmlformats.org/drawingml/2006/main" xmlns:r="http://schemas.openxmlformats.org/officeDocument/2006/relationships" xmlns:p="http://schemas.openxmlformats.org/presentationml/2006/main">
-  <p:cSld>
-    <p:spTree>
-      <p:nvGrpSpPr>
-        <p:cNvPr id="1" name=""/>
-        <p:cNvGrpSpPr/>
-        <p:nvPr/>
-      </p:nvGrpSpPr>
-      <p:grpSpPr>
-        <a:xfrm>
-          <a:off x="0" y="0"/>
-          <a:ext cx="0" cy="0"/>
-          <a:chOff x="0" y="0"/>
-          <a:chExt cx="0" cy="0"/>
-        </a:xfrm>
-      </p:grpSpPr>
-      <p:sp>
-        <p:nvSpPr>
-          <p:cNvPr id="2" name="Espaço Reservado para Imagem do Slide 1"/>
-          <p:cNvSpPr>
-            <a:spLocks noGrp="1" noRot="1" noChangeAspect="1"/>
-          </p:cNvSpPr>
-          <p:nvPr>
-            <p:ph type="sldImg"/>
-          </p:nvPr>
-        </p:nvSpPr>
-        <p:spPr/>
-      </p:sp>
-      <p:sp>
-        <p:nvSpPr>
-          <p:cNvPr id="3" name="Espaço Reservado para Notas 2"/>
-          <p:cNvSpPr>
-            <a:spLocks noGrp="1"/>
-          </p:cNvSpPr>
-          <p:nvPr>
-            <p:ph type="body" idx="1"/>
-          </p:nvPr>
-        </p:nvSpPr>
-        <p:spPr/>
-        <p:txBody>
-          <a:bodyPr rtlCol="0"/>
-          <a:lstStyle>
-            <a:defPPr>
-              <a:defRPr lang="pt-BR"/>
-            </a:defPPr>
-          </a:lstStyle>
-          <a:p>
-            <a:pPr rtl="0"/>
-            <a:endParaRPr lang="pt-BR" dirty="0"/>
-          </a:p>
-        </p:txBody>
-      </p:sp>
-      <p:sp>
-        <p:nvSpPr>
-          <p:cNvPr id="4" name="Espaço Reservado para o Número do Slide 3"/>
-          <p:cNvSpPr>
-            <a:spLocks noGrp="1"/>
-          </p:cNvSpPr>
-          <p:nvPr>
-            <p:ph type="sldNum" sz="quarter" idx="5"/>
-          </p:nvPr>
-        </p:nvSpPr>
-        <p:spPr/>
-        <p:txBody>
-          <a:bodyPr rtlCol="0"/>
-          <a:lstStyle>
-            <a:defPPr>
-              <a:defRPr lang="pt-BR"/>
-            </a:defPPr>
-          </a:lstStyle>
-          <a:p>
-            <a:pPr rtl="0"/>
-            <a:fld id="{22289C57-55D7-40A4-A101-E74FAC7A092B}" type="slidenum">
-              <a:rPr lang="pt-BR" smtClean="0"/>
-              <a:t>9</a:t>
-            </a:fld>
-            <a:endParaRPr lang="pt-BR" dirty="0"/>
-          </a:p>
-        </p:txBody>
-      </p:sp>
-    </p:spTree>
-    <p:extLst>
-      <p:ext uri="{BB962C8B-B14F-4D97-AF65-F5344CB8AC3E}">
-        <p14:creationId xmlns:p14="http://schemas.microsoft.com/office/powerpoint/2010/main" val="575465472"/>
+        <p14:creationId xmlns:p14="http://schemas.microsoft.com/office/powerpoint/2010/main" val="702683811"/>
       </p:ext>
     </p:extLst>
   </p:cSld>
@@ -7040,25 +6850,27 @@
           <p:cNvPr id="2" name="Título 1">
             <a:extLst>
               <a:ext uri="{FF2B5EF4-FFF2-40B4-BE49-F238E27FC236}">
-                <a16:creationId xmlns:a16="http://schemas.microsoft.com/office/drawing/2014/main" id="{CFE75451-6A4B-484B-9ED1-353CCE25B0F4}"/>
-              </a:ext>
-            </a:extLst>
-          </p:cNvPr>
-          <p:cNvSpPr>
-            <a:spLocks noGrp="1"/>
-          </p:cNvSpPr>
-          <p:nvPr>
-            <p:ph type="ctrTitle"/>
-          </p:nvPr>
-        </p:nvSpPr>
-        <p:spPr>
-          <a:xfrm>
-            <a:off x="6451658" y="3586965"/>
-            <a:ext cx="4941771" cy="1227923"/>
-          </a:xfrm>
-        </p:spPr>
-        <p:txBody>
-          <a:bodyPr rtlCol="0" anchor="ctr"/>
+                <a16:creationId xmlns:a16="http://schemas.microsoft.com/office/drawing/2014/main" id="{1BEF5859-10C9-4588-9727-B9362E26C29D}"/>
+              </a:ext>
+            </a:extLst>
+          </p:cNvPr>
+          <p:cNvSpPr>
+            <a:spLocks noGrp="1"/>
+          </p:cNvSpPr>
+          <p:nvPr>
+            <p:ph type="title"/>
+          </p:nvPr>
+        </p:nvSpPr>
+        <p:spPr>
+          <a:xfrm>
+            <a:off x="790575" y="1691790"/>
+            <a:ext cx="2895600" cy="681947"/>
+          </a:xfrm>
+        </p:spPr>
+        <p:txBody>
+          <a:bodyPr rtlCol="0">
+            <a:normAutofit/>
+          </a:bodyPr>
           <a:lstStyle>
             <a:defPPr>
               <a:defRPr lang="pt-BR"/>
@@ -7066,6 +6878,154 @@
           </a:lstStyle>
           <a:p>
             <a:pPr rtl="0"/>
+            <a:r>
+              <a:rPr lang="pt-BR" sz="3600" b="1" dirty="0"/>
+              <a:t>Grupo 04</a:t>
+            </a:r>
+          </a:p>
+        </p:txBody>
+      </p:sp>
+      <p:sp>
+        <p:nvSpPr>
+          <p:cNvPr id="3" name="Espaço Reservado para Conteúdo 2">
+            <a:extLst>
+              <a:ext uri="{FF2B5EF4-FFF2-40B4-BE49-F238E27FC236}">
+                <a16:creationId xmlns:a16="http://schemas.microsoft.com/office/drawing/2014/main" id="{5671D7E5-EF66-4BCD-8DAA-E9061157F0BE}"/>
+              </a:ext>
+            </a:extLst>
+          </p:cNvPr>
+          <p:cNvSpPr>
+            <a:spLocks noGrp="1"/>
+          </p:cNvSpPr>
+          <p:nvPr>
+            <p:ph idx="1"/>
+          </p:nvPr>
+        </p:nvSpPr>
+        <p:spPr>
+          <a:xfrm>
+            <a:off x="790575" y="2667910"/>
+            <a:ext cx="6853238" cy="1526512"/>
+          </a:xfrm>
+        </p:spPr>
+        <p:txBody>
+          <a:bodyPr rtlCol="0">
+            <a:normAutofit/>
+          </a:bodyPr>
+          <a:lstStyle>
+            <a:defPPr>
+              <a:defRPr lang="pt-BR"/>
+            </a:defPPr>
+          </a:lstStyle>
+          <a:p>
+            <a:r>
+              <a:rPr lang="pt-BR" dirty="0"/>
+              <a:t>FERNANDO DIECKMANN MEDEIROS  </a:t>
+            </a:r>
+          </a:p>
+          <a:p>
+            <a:r>
+              <a:rPr lang="pt-BR" dirty="0"/>
+              <a:t>DANTON DE CAMPOS RODRIGUES </a:t>
+            </a:r>
+          </a:p>
+          <a:p>
+            <a:r>
+              <a:rPr lang="pt-BR" dirty="0"/>
+              <a:t>MATEUS DE ARAUJO FRAGA DA ROSA  </a:t>
+            </a:r>
+          </a:p>
+        </p:txBody>
+      </p:sp>
+      <p:sp>
+        <p:nvSpPr>
+          <p:cNvPr id="5" name="Espaço Reservado para o Número do Slide 5">
+            <a:extLst>
+              <a:ext uri="{FF2B5EF4-FFF2-40B4-BE49-F238E27FC236}">
+                <a16:creationId xmlns:a16="http://schemas.microsoft.com/office/drawing/2014/main" id="{B02A8827-B1A1-2D2F-D6DD-E886B886C43E}"/>
+              </a:ext>
+            </a:extLst>
+          </p:cNvPr>
+          <p:cNvSpPr>
+            <a:spLocks noGrp="1"/>
+          </p:cNvSpPr>
+          <p:nvPr>
+            <p:ph type="sldNum" sz="quarter" idx="12"/>
+          </p:nvPr>
+        </p:nvSpPr>
+        <p:spPr>
+          <a:xfrm>
+            <a:off x="10373350" y="6356349"/>
+            <a:ext cx="987552" cy="365125"/>
+          </a:xfrm>
+        </p:spPr>
+        <p:txBody>
+          <a:bodyPr rtlCol="0"/>
+          <a:lstStyle>
+            <a:defPPr>
+              <a:defRPr lang="pt-BR"/>
+            </a:defPPr>
+          </a:lstStyle>
+          <a:p>
+            <a:pPr rtl="0"/>
+            <a:fld id="{A49DFD55-3C28-40EF-9E31-A92D2E4017FF}" type="slidenum">
+              <a:rPr lang="pt-BR" smtClean="0"/>
+              <a:pPr rtl="0"/>
+              <a:t>1</a:t>
+            </a:fld>
+            <a:endParaRPr lang="pt-BR" dirty="0"/>
+          </a:p>
+        </p:txBody>
+      </p:sp>
+      <p:sp>
+        <p:nvSpPr>
+          <p:cNvPr id="4" name="Título 1">
+            <a:extLst>
+              <a:ext uri="{FF2B5EF4-FFF2-40B4-BE49-F238E27FC236}">
+                <a16:creationId xmlns:a16="http://schemas.microsoft.com/office/drawing/2014/main" id="{CFE75451-6A4B-484B-9ED1-353CCE25B0F4}"/>
+              </a:ext>
+            </a:extLst>
+          </p:cNvPr>
+          <p:cNvSpPr txBox="1">
+            <a:spLocks/>
+          </p:cNvSpPr>
+          <p:nvPr/>
+        </p:nvSpPr>
+        <p:spPr>
+          <a:xfrm>
+            <a:off x="790575" y="534026"/>
+            <a:ext cx="5305425" cy="1409074"/>
+          </a:xfrm>
+          <a:prstGeom prst="rect">
+            <a:avLst/>
+          </a:prstGeom>
+        </p:spPr>
+        <p:txBody>
+          <a:bodyPr vert="horz" lIns="91440" tIns="45720" rIns="91440" bIns="45720" rtlCol="0" anchor="ctr">
+            <a:normAutofit/>
+          </a:bodyPr>
+          <a:lstStyle>
+            <a:defPPr>
+              <a:defRPr lang="pt-BR"/>
+            </a:defPPr>
+            <a:lvl1pPr algn="l" defTabSz="914400" rtl="0" eaLnBrk="1" latinLnBrk="0" hangingPunct="1">
+              <a:lnSpc>
+                <a:spcPct val="90000"/>
+              </a:lnSpc>
+              <a:spcBef>
+                <a:spcPct val="0"/>
+              </a:spcBef>
+              <a:buNone/>
+              <a:defRPr lang="pt-BR" sz="2800" kern="1200" cap="all" spc="150" baseline="0">
+                <a:solidFill>
+                  <a:schemeClr val="bg1"/>
+                </a:solidFill>
+                <a:latin typeface="+mj-lt"/>
+                <a:ea typeface="+mj-ea"/>
+                <a:cs typeface="+mj-cs"/>
+              </a:defRPr>
+            </a:lvl1pPr>
+          </a:lstStyle>
+          <a:p>
             <a:r>
               <a:rPr lang="pt-BR" sz="6000" b="1" dirty="0"/>
               <a:t>Big data</a:t>
@@ -7079,7 +7039,7 @@
       </p:sp>
       <p:sp>
         <p:nvSpPr>
-          <p:cNvPr id="3" name="CaixaDeTexto 2">
+          <p:cNvPr id="6" name="CaixaDeTexto 5">
             <a:extLst>
               <a:ext uri="{FF2B5EF4-FFF2-40B4-BE49-F238E27FC236}">
                 <a16:creationId xmlns:a16="http://schemas.microsoft.com/office/drawing/2014/main" id="{F9E0BB4D-5C86-E9E1-41BE-8C1616989DF3}"/>
@@ -7091,8 +7051,8 @@
         </p:nvSpPr>
         <p:spPr>
           <a:xfrm>
-            <a:off x="6451658" y="4814888"/>
-            <a:ext cx="4672012" cy="892552"/>
+            <a:off x="893821" y="4919232"/>
+            <a:ext cx="4672012" cy="954107"/>
           </a:xfrm>
           <a:prstGeom prst="rect">
             <a:avLst/>
@@ -7106,13 +7066,21 @@
           <a:lstStyle/>
           <a:p>
             <a:r>
-              <a:rPr lang="pt-BR" sz="3200" b="1" dirty="0"/>
+              <a:rPr lang="pt-BR" sz="2800" dirty="0">
+                <a:solidFill>
+                  <a:schemeClr val="bg1"/>
+                </a:solidFill>
+              </a:rPr>
               <a:t>Trabalho 01</a:t>
             </a:r>
           </a:p>
           <a:p>
             <a:r>
-              <a:rPr lang="pt-BR" sz="2000" b="1" dirty="0"/>
+              <a:rPr lang="pt-BR" sz="2800" dirty="0">
+                <a:solidFill>
+                  <a:schemeClr val="bg1"/>
+                </a:solidFill>
+              </a:rPr>
               <a:t>Outubro/2025</a:t>
             </a:r>
           </a:p>
@@ -7121,390 +7089,7 @@
     </p:spTree>
     <p:extLst>
       <p:ext uri="{BB962C8B-B14F-4D97-AF65-F5344CB8AC3E}">
-        <p14:creationId xmlns:p14="http://schemas.microsoft.com/office/powerpoint/2010/main" val="2586058810"/>
-      </p:ext>
-    </p:extLst>
-  </p:cSld>
-  <p:clrMapOvr>
-    <a:masterClrMapping/>
-  </p:clrMapOvr>
-</p:sld>
-</file>
-
-<file path=ppt/slides/slide10.xml><?xml version="1.0" encoding="utf-8"?>
-<p:sld xmlns:a="http://schemas.openxmlformats.org/drawingml/2006/main" xmlns:r="http://schemas.openxmlformats.org/officeDocument/2006/relationships" xmlns:p="http://schemas.openxmlformats.org/presentationml/2006/main">
-  <p:cSld>
-    <p:spTree>
-      <p:nvGrpSpPr>
-        <p:cNvPr id="1" name=""/>
-        <p:cNvGrpSpPr/>
-        <p:nvPr/>
-      </p:nvGrpSpPr>
-      <p:grpSpPr>
-        <a:xfrm>
-          <a:off x="0" y="0"/>
-          <a:ext cx="0" cy="0"/>
-          <a:chOff x="0" y="0"/>
-          <a:chExt cx="0" cy="0"/>
-        </a:xfrm>
-      </p:grpSpPr>
-      <p:sp>
-        <p:nvSpPr>
-          <p:cNvPr id="2" name="Título 1">
-            <a:extLst>
-              <a:ext uri="{FF2B5EF4-FFF2-40B4-BE49-F238E27FC236}">
-                <a16:creationId xmlns:a16="http://schemas.microsoft.com/office/drawing/2014/main" id="{2C5AF976-2393-254A-0A9C-D5CA4CC9F3F5}"/>
-              </a:ext>
-            </a:extLst>
-          </p:cNvPr>
-          <p:cNvSpPr>
-            <a:spLocks noGrp="1"/>
-          </p:cNvSpPr>
-          <p:nvPr>
-            <p:ph type="title"/>
-          </p:nvPr>
-        </p:nvSpPr>
-        <p:spPr>
-          <a:xfrm>
-            <a:off x="6536803" y="3792691"/>
-            <a:ext cx="5655197" cy="1020609"/>
-          </a:xfrm>
-        </p:spPr>
-        <p:txBody>
-          <a:bodyPr>
-            <a:normAutofit/>
-          </a:bodyPr>
-          <a:lstStyle/>
-          <a:p>
-            <a:r>
-              <a:rPr lang="pt-BR" sz="5400" b="1" dirty="0" err="1"/>
-              <a:t>dASHBOARD</a:t>
-            </a:r>
-            <a:endParaRPr lang="pt-BR" sz="5400" b="1" dirty="0"/>
-          </a:p>
-        </p:txBody>
-      </p:sp>
-      <p:sp>
-        <p:nvSpPr>
-          <p:cNvPr id="7" name="Espaço Reservado para Número de Slide 6">
-            <a:extLst>
-              <a:ext uri="{FF2B5EF4-FFF2-40B4-BE49-F238E27FC236}">
-                <a16:creationId xmlns:a16="http://schemas.microsoft.com/office/drawing/2014/main" id="{D8FCBC0C-AADE-5466-0CA9-1B594FF93939}"/>
-              </a:ext>
-            </a:extLst>
-          </p:cNvPr>
-          <p:cNvSpPr>
-            <a:spLocks noGrp="1"/>
-          </p:cNvSpPr>
-          <p:nvPr>
-            <p:ph type="sldNum" sz="quarter" idx="12"/>
-          </p:nvPr>
-        </p:nvSpPr>
-        <p:spPr/>
-        <p:txBody>
-          <a:bodyPr/>
-          <a:lstStyle/>
-          <a:p>
-            <a:pPr rtl="0"/>
-            <a:fld id="{A49DFD55-3C28-40EF-9E31-A92D2E4017FF}" type="slidenum">
-              <a:rPr lang="pt-BR" smtClean="0"/>
-              <a:pPr rtl="0"/>
-              <a:t>10</a:t>
-            </a:fld>
-            <a:endParaRPr lang="pt-BR" dirty="0"/>
-          </a:p>
-        </p:txBody>
-      </p:sp>
-      <p:pic>
-        <p:nvPicPr>
-          <p:cNvPr id="12" name="Espaço Reservado para Imagem 6" descr="Luzes de discoteca">
-            <a:extLst>
-              <a:ext uri="{FF2B5EF4-FFF2-40B4-BE49-F238E27FC236}">
-                <a16:creationId xmlns:a16="http://schemas.microsoft.com/office/drawing/2014/main" id="{7EE3A670-7084-5D33-0DE6-DA3939EEF60B}"/>
-              </a:ext>
-            </a:extLst>
-          </p:cNvPr>
-          <p:cNvPicPr>
-            <a:picLocks noChangeAspect="1"/>
-          </p:cNvPicPr>
-          <p:nvPr/>
-        </p:nvPicPr>
-        <p:blipFill>
-          <a:blip r:embed="rId2"/>
-          <a:srcRect l="18184" r="18184"/>
-          <a:stretch>
-            <a:fillRect/>
-          </a:stretch>
-        </p:blipFill>
-        <p:spPr>
-          <a:xfrm>
-            <a:off x="0" y="0"/>
-            <a:ext cx="6576291" cy="6872605"/>
-          </a:xfrm>
-          <a:custGeom>
-            <a:avLst/>
-            <a:gdLst>
-              <a:gd name="connsiteX0" fmla="*/ 0 w 6576291"/>
-              <a:gd name="connsiteY0" fmla="*/ 0 h 6867525"/>
-              <a:gd name="connsiteX1" fmla="*/ 6576291 w 6576291"/>
-              <a:gd name="connsiteY1" fmla="*/ 0 h 6867525"/>
-              <a:gd name="connsiteX2" fmla="*/ 6576291 w 6576291"/>
-              <a:gd name="connsiteY2" fmla="*/ 6867525 h 6867525"/>
-              <a:gd name="connsiteX3" fmla="*/ 0 w 6576291"/>
-              <a:gd name="connsiteY3" fmla="*/ 6867525 h 6867525"/>
-              <a:gd name="connsiteX4" fmla="*/ 0 w 6576291"/>
-              <a:gd name="connsiteY4" fmla="*/ 0 h 6867525"/>
-              <a:gd name="connsiteX0" fmla="*/ 0 w 6576291"/>
-              <a:gd name="connsiteY0" fmla="*/ 5080 h 6872605"/>
-              <a:gd name="connsiteX1" fmla="*/ 3604491 w 6576291"/>
-              <a:gd name="connsiteY1" fmla="*/ 0 h 6872605"/>
-              <a:gd name="connsiteX2" fmla="*/ 6576291 w 6576291"/>
-              <a:gd name="connsiteY2" fmla="*/ 6872605 h 6872605"/>
-              <a:gd name="connsiteX3" fmla="*/ 0 w 6576291"/>
-              <a:gd name="connsiteY3" fmla="*/ 6872605 h 6872605"/>
-              <a:gd name="connsiteX4" fmla="*/ 0 w 6576291"/>
-              <a:gd name="connsiteY4" fmla="*/ 5080 h 6872605"/>
-              <a:gd name="connsiteX0" fmla="*/ 0 w 6576291"/>
-              <a:gd name="connsiteY0" fmla="*/ 0 h 6867525"/>
-              <a:gd name="connsiteX1" fmla="*/ 3624811 w 6576291"/>
-              <a:gd name="connsiteY1" fmla="*/ 10160 h 6867525"/>
-              <a:gd name="connsiteX2" fmla="*/ 6576291 w 6576291"/>
-              <a:gd name="connsiteY2" fmla="*/ 6867525 h 6867525"/>
-              <a:gd name="connsiteX3" fmla="*/ 0 w 6576291"/>
-              <a:gd name="connsiteY3" fmla="*/ 6867525 h 6867525"/>
-              <a:gd name="connsiteX4" fmla="*/ 0 w 6576291"/>
-              <a:gd name="connsiteY4" fmla="*/ 0 h 6867525"/>
-              <a:gd name="connsiteX0" fmla="*/ 0 w 6576291"/>
-              <a:gd name="connsiteY0" fmla="*/ 5080 h 6872605"/>
-              <a:gd name="connsiteX1" fmla="*/ 3629891 w 6576291"/>
-              <a:gd name="connsiteY1" fmla="*/ 0 h 6872605"/>
-              <a:gd name="connsiteX2" fmla="*/ 6576291 w 6576291"/>
-              <a:gd name="connsiteY2" fmla="*/ 6872605 h 6872605"/>
-              <a:gd name="connsiteX3" fmla="*/ 0 w 6576291"/>
-              <a:gd name="connsiteY3" fmla="*/ 6872605 h 6872605"/>
-              <a:gd name="connsiteX4" fmla="*/ 0 w 6576291"/>
-              <a:gd name="connsiteY4" fmla="*/ 5080 h 6872605"/>
-            </a:gdLst>
-            <a:ahLst/>
-            <a:cxnLst>
-              <a:cxn ang="0">
-                <a:pos x="connsiteX0" y="connsiteY0"/>
-              </a:cxn>
-              <a:cxn ang="0">
-                <a:pos x="connsiteX1" y="connsiteY1"/>
-              </a:cxn>
-              <a:cxn ang="0">
-                <a:pos x="connsiteX2" y="connsiteY2"/>
-              </a:cxn>
-              <a:cxn ang="0">
-                <a:pos x="connsiteX3" y="connsiteY3"/>
-              </a:cxn>
-              <a:cxn ang="0">
-                <a:pos x="connsiteX4" y="connsiteY4"/>
-              </a:cxn>
-            </a:cxnLst>
-            <a:rect l="l" t="t" r="r" b="b"/>
-            <a:pathLst>
-              <a:path w="6576291" h="6872605">
-                <a:moveTo>
-                  <a:pt x="0" y="5080"/>
-                </a:moveTo>
-                <a:lnTo>
-                  <a:pt x="3629891" y="0"/>
-                </a:lnTo>
-                <a:lnTo>
-                  <a:pt x="6576291" y="6872605"/>
-                </a:lnTo>
-                <a:lnTo>
-                  <a:pt x="0" y="6872605"/>
-                </a:lnTo>
-                <a:lnTo>
-                  <a:pt x="0" y="5080"/>
-                </a:lnTo>
-                <a:close/>
-              </a:path>
-            </a:pathLst>
-          </a:custGeom>
-        </p:spPr>
-      </p:pic>
-    </p:spTree>
-    <p:extLst>
-      <p:ext uri="{BB962C8B-B14F-4D97-AF65-F5344CB8AC3E}">
-        <p14:creationId xmlns:p14="http://schemas.microsoft.com/office/powerpoint/2010/main" val="4210864898"/>
-      </p:ext>
-    </p:extLst>
-  </p:cSld>
-  <p:clrMapOvr>
-    <a:masterClrMapping/>
-  </p:clrMapOvr>
-</p:sld>
-</file>
-
-<file path=ppt/slides/slide11.xml><?xml version="1.0" encoding="utf-8"?>
-<p:sld xmlns:a="http://schemas.openxmlformats.org/drawingml/2006/main" xmlns:r="http://schemas.openxmlformats.org/officeDocument/2006/relationships" xmlns:p="http://schemas.openxmlformats.org/presentationml/2006/main">
-  <p:cSld>
-    <p:spTree>
-      <p:nvGrpSpPr>
-        <p:cNvPr id="1" name=""/>
-        <p:cNvGrpSpPr/>
-        <p:nvPr/>
-      </p:nvGrpSpPr>
-      <p:grpSpPr>
-        <a:xfrm>
-          <a:off x="0" y="0"/>
-          <a:ext cx="0" cy="0"/>
-          <a:chOff x="0" y="0"/>
-          <a:chExt cx="0" cy="0"/>
-        </a:xfrm>
-      </p:grpSpPr>
-      <p:sp>
-        <p:nvSpPr>
-          <p:cNvPr id="2" name="Título 1">
-            <a:extLst>
-              <a:ext uri="{FF2B5EF4-FFF2-40B4-BE49-F238E27FC236}">
-                <a16:creationId xmlns:a16="http://schemas.microsoft.com/office/drawing/2014/main" id="{8BDF1EDE-5423-435C-B149-87AB1BC22B83}"/>
-              </a:ext>
-            </a:extLst>
-          </p:cNvPr>
-          <p:cNvSpPr>
-            <a:spLocks noGrp="1"/>
-          </p:cNvSpPr>
-          <p:nvPr>
-            <p:ph type="ctrTitle"/>
-          </p:nvPr>
-        </p:nvSpPr>
-        <p:spPr>
-          <a:xfrm>
-            <a:off x="4267200" y="1615736"/>
-            <a:ext cx="4179570" cy="1524735"/>
-          </a:xfrm>
-        </p:spPr>
-        <p:txBody>
-          <a:bodyPr rtlCol="0"/>
-          <a:lstStyle>
-            <a:defPPr>
-              <a:defRPr lang="pt-BR"/>
-            </a:defPPr>
-          </a:lstStyle>
-          <a:p>
-            <a:pPr rtl="0"/>
-            <a:r>
-              <a:rPr lang="pt-BR"/>
-              <a:t>OBRIGADO</a:t>
-            </a:r>
-          </a:p>
-        </p:txBody>
-      </p:sp>
-      <p:sp>
-        <p:nvSpPr>
-          <p:cNvPr id="3" name="Subtítulo 2">
-            <a:extLst>
-              <a:ext uri="{FF2B5EF4-FFF2-40B4-BE49-F238E27FC236}">
-                <a16:creationId xmlns:a16="http://schemas.microsoft.com/office/drawing/2014/main" id="{AF64C29E-DF30-4DC6-AB95-2016F9A703B6}"/>
-              </a:ext>
-            </a:extLst>
-          </p:cNvPr>
-          <p:cNvSpPr>
-            <a:spLocks noGrp="1"/>
-          </p:cNvSpPr>
-          <p:nvPr>
-            <p:ph type="subTitle" idx="1"/>
-          </p:nvPr>
-        </p:nvSpPr>
-        <p:spPr>
-          <a:xfrm>
-            <a:off x="4267200" y="3238103"/>
-            <a:ext cx="4179570" cy="2850181"/>
-          </a:xfrm>
-        </p:spPr>
-        <p:txBody>
-          <a:bodyPr rtlCol="0">
-            <a:noAutofit/>
-          </a:bodyPr>
-          <a:lstStyle>
-            <a:defPPr>
-              <a:defRPr lang="pt-BR"/>
-            </a:defPPr>
-          </a:lstStyle>
-          <a:p>
-            <a:pPr rtl="0"/>
-            <a:r>
-              <a:rPr lang="pt-BR" sz="2400" b="1" dirty="0"/>
-              <a:t>GRUPO 4</a:t>
-            </a:r>
-          </a:p>
-          <a:p>
-            <a:r>
-              <a:rPr lang="pt-BR" dirty="0"/>
-              <a:t>FERNANDO DIECKMANN MEDEIROS  </a:t>
-            </a:r>
-          </a:p>
-          <a:p>
-            <a:r>
-              <a:rPr lang="pt-BR" dirty="0"/>
-              <a:t>DANTON DE CAMPOS RODRIGUES </a:t>
-            </a:r>
-          </a:p>
-          <a:p>
-            <a:r>
-              <a:rPr lang="pt-BR" dirty="0"/>
-              <a:t>MATEUS DE ARAUJO FRAGA DA ROSA  </a:t>
-            </a:r>
-          </a:p>
-          <a:p>
-            <a:pPr rtl="0"/>
-            <a:endParaRPr lang="pt-BR" dirty="0"/>
-          </a:p>
-          <a:p>
-            <a:pPr rtl="0"/>
-            <a:endParaRPr lang="pt-BR" dirty="0"/>
-          </a:p>
-        </p:txBody>
-      </p:sp>
-      <p:sp>
-        <p:nvSpPr>
-          <p:cNvPr id="6" name="Espaço Reservado para o Número do Slide 5">
-            <a:extLst>
-              <a:ext uri="{FF2B5EF4-FFF2-40B4-BE49-F238E27FC236}">
-                <a16:creationId xmlns:a16="http://schemas.microsoft.com/office/drawing/2014/main" id="{4C127D99-645F-4FCF-9573-FDFE2A344FA9}"/>
-              </a:ext>
-            </a:extLst>
-          </p:cNvPr>
-          <p:cNvSpPr>
-            <a:spLocks noGrp="1"/>
-          </p:cNvSpPr>
-          <p:nvPr>
-            <p:ph type="sldNum" sz="quarter" idx="12"/>
-          </p:nvPr>
-        </p:nvSpPr>
-        <p:spPr>
-          <a:xfrm>
-            <a:off x="9579428" y="6356350"/>
-            <a:ext cx="1774371" cy="365125"/>
-          </a:xfrm>
-        </p:spPr>
-        <p:txBody>
-          <a:bodyPr rtlCol="0"/>
-          <a:lstStyle>
-            <a:defPPr>
-              <a:defRPr lang="pt-BR"/>
-            </a:defPPr>
-          </a:lstStyle>
-          <a:p>
-            <a:pPr rtl="0"/>
-            <a:fld id="{A49DFD55-3C28-40EF-9E31-A92D2E4017FF}" type="slidenum">
-              <a:rPr lang="pt-BR" smtClean="0"/>
-              <a:pPr rtl="0"/>
-              <a:t>11</a:t>
-            </a:fld>
-            <a:endParaRPr lang="pt-BR" dirty="0"/>
-          </a:p>
-        </p:txBody>
-      </p:sp>
-    </p:spTree>
-    <p:extLst>
-      <p:ext uri="{BB962C8B-B14F-4D97-AF65-F5344CB8AC3E}">
-        <p14:creationId xmlns:p14="http://schemas.microsoft.com/office/powerpoint/2010/main" val="1969787568"/>
+        <p14:creationId xmlns:p14="http://schemas.microsoft.com/office/powerpoint/2010/main" val="1713219598"/>
       </p:ext>
     </p:extLst>
   </p:cSld>
@@ -7536,27 +7121,25 @@
           <p:cNvPr id="2" name="Título 1">
             <a:extLst>
               <a:ext uri="{FF2B5EF4-FFF2-40B4-BE49-F238E27FC236}">
-                <a16:creationId xmlns:a16="http://schemas.microsoft.com/office/drawing/2014/main" id="{1BEF5859-10C9-4588-9727-B9362E26C29D}"/>
-              </a:ext>
-            </a:extLst>
-          </p:cNvPr>
-          <p:cNvSpPr>
-            <a:spLocks noGrp="1"/>
-          </p:cNvSpPr>
-          <p:nvPr>
-            <p:ph type="title"/>
-          </p:nvPr>
-        </p:nvSpPr>
-        <p:spPr>
-          <a:xfrm>
-            <a:off x="1162050" y="2766218"/>
-            <a:ext cx="2895600" cy="1325563"/>
-          </a:xfrm>
-        </p:spPr>
-        <p:txBody>
-          <a:bodyPr rtlCol="0">
-            <a:normAutofit/>
-          </a:bodyPr>
+                <a16:creationId xmlns:a16="http://schemas.microsoft.com/office/drawing/2014/main" id="{818AFA5E-469B-2BFC-9D4E-BD1EC6E48CA0}"/>
+              </a:ext>
+            </a:extLst>
+          </p:cNvPr>
+          <p:cNvSpPr>
+            <a:spLocks noGrp="1"/>
+          </p:cNvSpPr>
+          <p:nvPr>
+            <p:ph type="ctrTitle"/>
+          </p:nvPr>
+        </p:nvSpPr>
+        <p:spPr>
+          <a:xfrm>
+            <a:off x="7186613" y="3228976"/>
+            <a:ext cx="4179570" cy="621108"/>
+          </a:xfrm>
+        </p:spPr>
+        <p:txBody>
+          <a:bodyPr rtlCol="0"/>
           <a:lstStyle>
             <a:defPPr>
               <a:defRPr lang="pt-BR"/>
@@ -7565,107 +7148,143 @@
           <a:p>
             <a:pPr rtl="0"/>
             <a:r>
-              <a:rPr lang="pt-BR" sz="3600" b="1" dirty="0"/>
-              <a:t>Grupo 04</a:t>
-            </a:r>
-          </a:p>
-        </p:txBody>
-      </p:sp>
-      <p:sp>
-        <p:nvSpPr>
-          <p:cNvPr id="3" name="Espaço Reservado para Conteúdo 2">
-            <a:extLst>
-              <a:ext uri="{FF2B5EF4-FFF2-40B4-BE49-F238E27FC236}">
-                <a16:creationId xmlns:a16="http://schemas.microsoft.com/office/drawing/2014/main" id="{5671D7E5-EF66-4BCD-8DAA-E9061157F0BE}"/>
-              </a:ext>
-            </a:extLst>
-          </p:cNvPr>
-          <p:cNvSpPr>
-            <a:spLocks noGrp="1"/>
-          </p:cNvSpPr>
-          <p:nvPr>
-            <p:ph idx="1"/>
-          </p:nvPr>
-        </p:nvSpPr>
-        <p:spPr>
-          <a:xfrm>
-            <a:off x="1162050" y="4297680"/>
-            <a:ext cx="6853238" cy="1526512"/>
-          </a:xfrm>
-        </p:spPr>
-        <p:txBody>
-          <a:bodyPr rtlCol="0">
-            <a:normAutofit/>
+              <a:rPr lang="pt-BR" dirty="0"/>
+              <a:t>temas</a:t>
+            </a:r>
+          </a:p>
+        </p:txBody>
+      </p:sp>
+      <p:cxnSp>
+        <p:nvCxnSpPr>
+          <p:cNvPr id="21" name="Conector Reto 20">
+            <a:extLst>
+              <a:ext uri="{FF2B5EF4-FFF2-40B4-BE49-F238E27FC236}">
+                <a16:creationId xmlns:a16="http://schemas.microsoft.com/office/drawing/2014/main" id="{944268F6-A361-9907-F87F-9C4377ECAE6D}"/>
+              </a:ext>
+              <a:ext uri="{C183D7F6-B498-43B3-948B-1728B52AA6E4}">
+                <adec:decorative xmlns:adec="http://schemas.microsoft.com/office/drawing/2017/decorative" val="1"/>
+              </a:ext>
+            </a:extLst>
+          </p:cNvPr>
+          <p:cNvCxnSpPr>
+            <a:cxnSpLocks/>
+          </p:cNvCxnSpPr>
+          <p:nvPr/>
+        </p:nvCxnSpPr>
+        <p:spPr>
+          <a:xfrm flipH="1" flipV="1">
+            <a:off x="0" y="254643"/>
+            <a:ext cx="6096000" cy="855762"/>
+          </a:xfrm>
+          <a:prstGeom prst="line">
+            <a:avLst/>
+          </a:prstGeom>
+          <a:ln>
+            <a:solidFill>
+              <a:schemeClr val="bg1"/>
+            </a:solidFill>
+          </a:ln>
+        </p:spPr>
+        <p:style>
+          <a:lnRef idx="1">
+            <a:schemeClr val="accent1"/>
+          </a:lnRef>
+          <a:fillRef idx="0">
+            <a:schemeClr val="accent1"/>
+          </a:fillRef>
+          <a:effectRef idx="0">
+            <a:schemeClr val="accent1"/>
+          </a:effectRef>
+          <a:fontRef idx="minor">
+            <a:schemeClr val="tx1"/>
+          </a:fontRef>
+        </p:style>
+      </p:cxnSp>
+      <p:sp>
+        <p:nvSpPr>
+          <p:cNvPr id="3" name="CaixaDeTexto 2">
+            <a:extLst>
+              <a:ext uri="{FF2B5EF4-FFF2-40B4-BE49-F238E27FC236}">
+                <a16:creationId xmlns:a16="http://schemas.microsoft.com/office/drawing/2014/main" id="{A775BCF0-C553-83ED-F54B-DF67923F5D1E}"/>
+              </a:ext>
+            </a:extLst>
+          </p:cNvPr>
+          <p:cNvSpPr txBox="1"/>
+          <p:nvPr/>
+        </p:nvSpPr>
+        <p:spPr>
+          <a:xfrm>
+            <a:off x="7186613" y="4200525"/>
+            <a:ext cx="3600450" cy="1384995"/>
+          </a:xfrm>
+          <a:prstGeom prst="rect">
+            <a:avLst/>
+          </a:prstGeom>
+          <a:noFill/>
+        </p:spPr>
+        <p:txBody>
+          <a:bodyPr wrap="square" rtlCol="0">
+            <a:spAutoFit/>
           </a:bodyPr>
-          <a:lstStyle>
-            <a:defPPr>
-              <a:defRPr lang="pt-BR"/>
-            </a:defPPr>
-          </a:lstStyle>
-          <a:p>
-            <a:r>
-              <a:rPr lang="pt-BR" dirty="0"/>
-              <a:t>FERNANDO DIECKMANN MEDEIROS  </a:t>
-            </a:r>
-          </a:p>
-          <a:p>
-            <a:r>
-              <a:rPr lang="pt-BR" dirty="0"/>
-              <a:t>DANTON DE CAMPOS RODRIGUES </a:t>
-            </a:r>
-          </a:p>
-          <a:p>
-            <a:r>
-              <a:rPr lang="pt-BR" dirty="0"/>
-              <a:t>MATEUS DE ARAUJO FRAGA DA ROSA  </a:t>
-            </a:r>
-          </a:p>
-        </p:txBody>
-      </p:sp>
-      <p:sp>
-        <p:nvSpPr>
-          <p:cNvPr id="5" name="Espaço Reservado para o Número do Slide 5">
-            <a:extLst>
-              <a:ext uri="{FF2B5EF4-FFF2-40B4-BE49-F238E27FC236}">
-                <a16:creationId xmlns:a16="http://schemas.microsoft.com/office/drawing/2014/main" id="{B02A8827-B1A1-2D2F-D6DD-E886B886C43E}"/>
-              </a:ext>
-            </a:extLst>
-          </p:cNvPr>
-          <p:cNvSpPr>
-            <a:spLocks noGrp="1"/>
-          </p:cNvSpPr>
-          <p:nvPr>
-            <p:ph type="sldNum" sz="quarter" idx="12"/>
-          </p:nvPr>
-        </p:nvSpPr>
-        <p:spPr>
-          <a:xfrm>
-            <a:off x="10373350" y="6356349"/>
-            <a:ext cx="987552" cy="365125"/>
-          </a:xfrm>
-        </p:spPr>
-        <p:txBody>
-          <a:bodyPr rtlCol="0"/>
-          <a:lstStyle>
-            <a:defPPr>
-              <a:defRPr lang="pt-BR"/>
-            </a:defPPr>
-          </a:lstStyle>
-          <a:p>
-            <a:pPr rtl="0"/>
-            <a:fld id="{A49DFD55-3C28-40EF-9E31-A92D2E4017FF}" type="slidenum">
-              <a:rPr lang="pt-BR" smtClean="0"/>
-              <a:pPr/>
-              <a:t>2</a:t>
-            </a:fld>
-            <a:endParaRPr lang="pt-BR" dirty="0"/>
-          </a:p>
-        </p:txBody>
-      </p:sp>
+          <a:lstStyle/>
+          <a:p>
+            <a:r>
+              <a:rPr lang="pt-BR" sz="2800" dirty="0">
+                <a:solidFill>
+                  <a:schemeClr val="bg1"/>
+                </a:solidFill>
+              </a:rPr>
+              <a:t>Music Tracks     </a:t>
+            </a:r>
+          </a:p>
+          <a:p>
+            <a:endParaRPr lang="pt-BR" sz="2800" dirty="0">
+              <a:solidFill>
+                <a:schemeClr val="bg1"/>
+              </a:solidFill>
+            </a:endParaRPr>
+          </a:p>
+          <a:p>
+            <a:r>
+              <a:rPr lang="pt-BR" sz="2800" dirty="0">
+                <a:solidFill>
+                  <a:schemeClr val="bg1"/>
+                </a:solidFill>
+              </a:rPr>
+              <a:t>Music 1950-2019</a:t>
+            </a:r>
+          </a:p>
+        </p:txBody>
+      </p:sp>
+      <p:pic>
+        <p:nvPicPr>
+          <p:cNvPr id="7" name="Espaço Reservado para Imagem 6" descr="Luzes de discoteca">
+            <a:extLst>
+              <a:ext uri="{FF2B5EF4-FFF2-40B4-BE49-F238E27FC236}">
+                <a16:creationId xmlns:a16="http://schemas.microsoft.com/office/drawing/2014/main" id="{DDA5F4D8-C4DB-5FD1-AB94-BC8BD8AD1703}"/>
+              </a:ext>
+            </a:extLst>
+          </p:cNvPr>
+          <p:cNvPicPr>
+            <a:picLocks noGrp="1" noChangeAspect="1"/>
+          </p:cNvPicPr>
+          <p:nvPr>
+            <p:ph type="pic" sz="quarter" idx="10"/>
+          </p:nvPr>
+        </p:nvPicPr>
+        <p:blipFill>
+          <a:blip r:embed="rId3"/>
+          <a:srcRect l="18184" r="18184"/>
+          <a:stretch>
+            <a:fillRect/>
+          </a:stretch>
+        </p:blipFill>
+        <p:spPr/>
+      </p:pic>
     </p:spTree>
     <p:extLst>
       <p:ext uri="{BB962C8B-B14F-4D97-AF65-F5344CB8AC3E}">
-        <p14:creationId xmlns:p14="http://schemas.microsoft.com/office/powerpoint/2010/main" val="1713219598"/>
+        <p14:creationId xmlns:p14="http://schemas.microsoft.com/office/powerpoint/2010/main" val="2241459136"/>
       </p:ext>
     </p:extLst>
   </p:cSld>
@@ -7697,21 +7316,21 @@
           <p:cNvPr id="2" name="Título 1">
             <a:extLst>
               <a:ext uri="{FF2B5EF4-FFF2-40B4-BE49-F238E27FC236}">
-                <a16:creationId xmlns:a16="http://schemas.microsoft.com/office/drawing/2014/main" id="{9528DBD1-DB29-D44F-FD5A-3071BB37EF37}"/>
-              </a:ext>
-            </a:extLst>
-          </p:cNvPr>
-          <p:cNvSpPr>
-            <a:spLocks noGrp="1"/>
-          </p:cNvSpPr>
-          <p:nvPr>
-            <p:ph type="ctrTitle"/>
-          </p:nvPr>
-        </p:nvSpPr>
-        <p:spPr>
-          <a:xfrm>
-            <a:off x="6991350" y="487018"/>
-            <a:ext cx="4179570" cy="3377354"/>
+                <a16:creationId xmlns:a16="http://schemas.microsoft.com/office/drawing/2014/main" id="{0A32731C-311B-46F7-A865-6C3AF6B09A47}"/>
+              </a:ext>
+            </a:extLst>
+          </p:cNvPr>
+          <p:cNvSpPr>
+            <a:spLocks noGrp="1"/>
+          </p:cNvSpPr>
+          <p:nvPr>
+            <p:ph type="title"/>
+          </p:nvPr>
+        </p:nvSpPr>
+        <p:spPr>
+          <a:xfrm>
+            <a:off x="1322318" y="268360"/>
+            <a:ext cx="7288282" cy="2121177"/>
           </a:xfrm>
         </p:spPr>
         <p:txBody>
@@ -7724,16 +7343,171 @@
           <a:p>
             <a:pPr rtl="0"/>
             <a:r>
-              <a:rPr lang="pt-BR"/>
-              <a:t>O poder da comunicação</a:t>
-            </a:r>
+              <a:rPr lang="pt-BR" dirty="0"/>
+              <a:t>Links fornecidos para os temas</a:t>
+            </a:r>
+          </a:p>
+        </p:txBody>
+      </p:sp>
+      <p:sp>
+        <p:nvSpPr>
+          <p:cNvPr id="3" name="Espaço Reservado para Texto 2">
+            <a:extLst>
+              <a:ext uri="{FF2B5EF4-FFF2-40B4-BE49-F238E27FC236}">
+                <a16:creationId xmlns:a16="http://schemas.microsoft.com/office/drawing/2014/main" id="{9D5232F9-FD00-464A-9F17-619C91AEF8F3}"/>
+              </a:ext>
+            </a:extLst>
+          </p:cNvPr>
+          <p:cNvSpPr>
+            <a:spLocks noGrp="1"/>
+          </p:cNvSpPr>
+          <p:nvPr>
+            <p:ph sz="half" idx="2"/>
+          </p:nvPr>
+        </p:nvSpPr>
+        <p:spPr>
+          <a:xfrm>
+            <a:off x="1322388" y="2763079"/>
+            <a:ext cx="7288212" cy="2737610"/>
+          </a:xfrm>
+        </p:spPr>
+        <p:txBody>
+          <a:bodyPr rtlCol="0">
+            <a:normAutofit/>
+          </a:bodyPr>
+          <a:lstStyle>
+            <a:defPPr>
+              <a:defRPr lang="pt-BR"/>
+            </a:defPPr>
+          </a:lstStyle>
+          <a:p>
+            <a:r>
+              <a:rPr lang="en-US" dirty="0"/>
+              <a:t>Os </a:t>
+            </a:r>
+            <a:r>
+              <a:rPr lang="en-US" dirty="0" err="1"/>
+              <a:t>temas</a:t>
+            </a:r>
+            <a:r>
+              <a:rPr lang="en-US" dirty="0"/>
+              <a:t> </a:t>
+            </a:r>
+            <a:r>
+              <a:rPr lang="en-US" dirty="0" err="1"/>
+              <a:t>podem</a:t>
+            </a:r>
+            <a:r>
+              <a:rPr lang="en-US" dirty="0"/>
+              <a:t> ser </a:t>
+            </a:r>
+            <a:r>
+              <a:rPr lang="en-US" dirty="0" err="1"/>
+              <a:t>obtidos</a:t>
+            </a:r>
+            <a:r>
+              <a:rPr lang="en-US" dirty="0"/>
+              <a:t> no </a:t>
+            </a:r>
+            <a:r>
+              <a:rPr lang="en-US" sz="2000" dirty="0"/>
+              <a:t>Kaggle</a:t>
+            </a:r>
+            <a:r>
+              <a:rPr lang="en-US" dirty="0"/>
+              <a:t> a </a:t>
+            </a:r>
+            <a:r>
+              <a:rPr lang="en-US" dirty="0" err="1"/>
+              <a:t>partir</a:t>
+            </a:r>
+            <a:r>
+              <a:rPr lang="en-US" dirty="0"/>
+              <a:t> dos links a </a:t>
+            </a:r>
+            <a:r>
+              <a:rPr lang="en-US" dirty="0" err="1"/>
+              <a:t>seguir</a:t>
+            </a:r>
+            <a:r>
+              <a:rPr lang="en-US" dirty="0"/>
+              <a:t>: </a:t>
+            </a:r>
+          </a:p>
+          <a:p>
+            <a:pPr marL="285750" indent="-285750">
+              <a:buFont typeface="Arial" panose="020B0604020202020204" pitchFamily="34" charset="0"/>
+              <a:buChar char="•"/>
+            </a:pPr>
+            <a:r>
+              <a:rPr lang="en-US" sz="2000" dirty="0"/>
+              <a:t>Music 1950-2019</a:t>
+            </a:r>
+            <a:r>
+              <a:rPr lang="en-US" dirty="0"/>
+              <a:t> https://www.kaggle.com/datasets/saurabhshahane/music-dataset-1950-to-2019</a:t>
+            </a:r>
+          </a:p>
+          <a:p>
+            <a:pPr marL="285750" indent="-285750">
+              <a:buFont typeface="Arial" panose="020B0604020202020204" pitchFamily="34" charset="0"/>
+              <a:buChar char="•"/>
+            </a:pPr>
+            <a:r>
+              <a:rPr lang="en-US" sz="2000" dirty="0"/>
+              <a:t>Music Tracks </a:t>
+            </a:r>
+            <a:r>
+              <a:rPr lang="en-US" dirty="0"/>
+              <a:t>https://www.kaggle.com/datasets/thebumpkin/10400-classic-hits-10-genres-1923to-2023</a:t>
+            </a:r>
+          </a:p>
+        </p:txBody>
+      </p:sp>
+      <p:sp>
+        <p:nvSpPr>
+          <p:cNvPr id="14" name="Espaço Reservado para o Número do Slide 5">
+            <a:extLst>
+              <a:ext uri="{FF2B5EF4-FFF2-40B4-BE49-F238E27FC236}">
+                <a16:creationId xmlns:a16="http://schemas.microsoft.com/office/drawing/2014/main" id="{ECE635A2-70B8-3EAB-6A18-952B02EBAA1E}"/>
+              </a:ext>
+            </a:extLst>
+          </p:cNvPr>
+          <p:cNvSpPr>
+            <a:spLocks noGrp="1"/>
+          </p:cNvSpPr>
+          <p:nvPr>
+            <p:ph type="sldNum" sz="quarter" idx="12"/>
+          </p:nvPr>
+        </p:nvSpPr>
+        <p:spPr>
+          <a:xfrm>
+            <a:off x="10373350" y="6356349"/>
+            <a:ext cx="987552" cy="365125"/>
+          </a:xfrm>
+        </p:spPr>
+        <p:txBody>
+          <a:bodyPr rtlCol="0"/>
+          <a:lstStyle>
+            <a:defPPr>
+              <a:defRPr lang="pt-BR"/>
+            </a:defPPr>
+          </a:lstStyle>
+          <a:p>
+            <a:pPr rtl="0"/>
+            <a:fld id="{A49DFD55-3C28-40EF-9E31-A92D2E4017FF}" type="slidenum">
+              <a:rPr lang="pt-BR" smtClean="0"/>
+              <a:pPr rtl="0"/>
+              <a:t>3</a:t>
+            </a:fld>
+            <a:endParaRPr lang="pt-BR" dirty="0"/>
           </a:p>
         </p:txBody>
       </p:sp>
     </p:spTree>
     <p:extLst>
       <p:ext uri="{BB962C8B-B14F-4D97-AF65-F5344CB8AC3E}">
-        <p14:creationId xmlns:p14="http://schemas.microsoft.com/office/powerpoint/2010/main" val="608796113"/>
+        <p14:creationId xmlns:p14="http://schemas.microsoft.com/office/powerpoint/2010/main" val="3571516367"/>
       </p:ext>
     </p:extLst>
   </p:cSld>
@@ -7765,7 +7539,7 @@
           <p:cNvPr id="2" name="Título 1">
             <a:extLst>
               <a:ext uri="{FF2B5EF4-FFF2-40B4-BE49-F238E27FC236}">
-                <a16:creationId xmlns:a16="http://schemas.microsoft.com/office/drawing/2014/main" id="{818AFA5E-469B-2BFC-9D4E-BD1EC6E48CA0}"/>
+                <a16:creationId xmlns:a16="http://schemas.microsoft.com/office/drawing/2014/main" id="{566C97BE-403B-122E-90D1-2788978A0B6F}"/>
               </a:ext>
             </a:extLst>
           </p:cNvPr>
@@ -7778,8 +7552,8 @@
         </p:nvSpPr>
         <p:spPr>
           <a:xfrm>
-            <a:off x="7186613" y="3228976"/>
-            <a:ext cx="4179570" cy="621108"/>
+            <a:off x="6543675" y="406400"/>
+            <a:ext cx="4627245" cy="3457971"/>
           </a:xfrm>
         </p:spPr>
         <p:txBody>
@@ -7790,145 +7564,29 @@
             </a:defPPr>
           </a:lstStyle>
           <a:p>
-            <a:pPr rtl="0"/>
+            <a:pPr rtl="0">
+              <a:lnSpc>
+                <a:spcPct val="100000"/>
+              </a:lnSpc>
+            </a:pPr>
             <a:r>
               <a:rPr lang="pt-BR" dirty="0"/>
-              <a:t>temas</a:t>
-            </a:r>
-          </a:p>
-        </p:txBody>
-      </p:sp>
-      <p:cxnSp>
-        <p:nvCxnSpPr>
-          <p:cNvPr id="21" name="Conector Reto 20">
-            <a:extLst>
-              <a:ext uri="{FF2B5EF4-FFF2-40B4-BE49-F238E27FC236}">
-                <a16:creationId xmlns:a16="http://schemas.microsoft.com/office/drawing/2014/main" id="{944268F6-A361-9907-F87F-9C4377ECAE6D}"/>
-              </a:ext>
-              <a:ext uri="{C183D7F6-B498-43B3-948B-1728B52AA6E4}">
-                <adec:decorative xmlns:adec="http://schemas.microsoft.com/office/drawing/2017/decorative" val="1"/>
-              </a:ext>
-            </a:extLst>
-          </p:cNvPr>
-          <p:cNvCxnSpPr>
-            <a:cxnSpLocks/>
-          </p:cNvCxnSpPr>
-          <p:nvPr/>
-        </p:nvCxnSpPr>
-        <p:spPr>
-          <a:xfrm flipH="1" flipV="1">
-            <a:off x="0" y="254643"/>
-            <a:ext cx="6096000" cy="855762"/>
-          </a:xfrm>
-          <a:prstGeom prst="line">
-            <a:avLst/>
-          </a:prstGeom>
-          <a:ln>
-            <a:solidFill>
-              <a:schemeClr val="bg1"/>
-            </a:solidFill>
-          </a:ln>
-        </p:spPr>
-        <p:style>
-          <a:lnRef idx="1">
-            <a:schemeClr val="accent1"/>
-          </a:lnRef>
-          <a:fillRef idx="0">
-            <a:schemeClr val="accent1"/>
-          </a:fillRef>
-          <a:effectRef idx="0">
-            <a:schemeClr val="accent1"/>
-          </a:effectRef>
-          <a:fontRef idx="minor">
-            <a:schemeClr val="tx1"/>
-          </a:fontRef>
-        </p:style>
-      </p:cxnSp>
-      <p:sp>
-        <p:nvSpPr>
-          <p:cNvPr id="3" name="CaixaDeTexto 2">
-            <a:extLst>
-              <a:ext uri="{FF2B5EF4-FFF2-40B4-BE49-F238E27FC236}">
-                <a16:creationId xmlns:a16="http://schemas.microsoft.com/office/drawing/2014/main" id="{A775BCF0-C553-83ED-F54B-DF67923F5D1E}"/>
-              </a:ext>
-            </a:extLst>
-          </p:cNvPr>
-          <p:cNvSpPr txBox="1"/>
-          <p:nvPr/>
-        </p:nvSpPr>
-        <p:spPr>
-          <a:xfrm>
-            <a:off x="7186613" y="4200525"/>
-            <a:ext cx="3600450" cy="1384995"/>
-          </a:xfrm>
-          <a:prstGeom prst="rect">
-            <a:avLst/>
-          </a:prstGeom>
-          <a:noFill/>
-        </p:spPr>
-        <p:txBody>
-          <a:bodyPr wrap="square" rtlCol="0">
-            <a:spAutoFit/>
-          </a:bodyPr>
-          <a:lstStyle/>
-          <a:p>
-            <a:r>
-              <a:rPr lang="pt-BR" sz="2800" dirty="0">
-                <a:solidFill>
-                  <a:schemeClr val="bg1"/>
-                </a:solidFill>
-              </a:rPr>
-              <a:t>Music Tracks     </a:t>
-            </a:r>
-          </a:p>
-          <a:p>
-            <a:endParaRPr lang="pt-BR" sz="2800" dirty="0">
-              <a:solidFill>
-                <a:schemeClr val="bg1"/>
-              </a:solidFill>
-            </a:endParaRPr>
-          </a:p>
-          <a:p>
-            <a:r>
-              <a:rPr lang="pt-BR" sz="2800" dirty="0">
-                <a:solidFill>
-                  <a:schemeClr val="bg1"/>
-                </a:solidFill>
-              </a:rPr>
-              <a:t>Music 1950-2019</a:t>
-            </a:r>
-          </a:p>
-        </p:txBody>
-      </p:sp>
-      <p:pic>
-        <p:nvPicPr>
-          <p:cNvPr id="7" name="Espaço Reservado para Imagem 6" descr="Luzes de discoteca">
-            <a:extLst>
-              <a:ext uri="{FF2B5EF4-FFF2-40B4-BE49-F238E27FC236}">
-                <a16:creationId xmlns:a16="http://schemas.microsoft.com/office/drawing/2014/main" id="{DDA5F4D8-C4DB-5FD1-AB94-BC8BD8AD1703}"/>
-              </a:ext>
-            </a:extLst>
-          </p:cNvPr>
-          <p:cNvPicPr>
-            <a:picLocks noGrp="1" noChangeAspect="1"/>
-          </p:cNvPicPr>
-          <p:nvPr>
-            <p:ph type="pic" sz="quarter" idx="10"/>
-          </p:nvPr>
-        </p:nvPicPr>
-        <p:blipFill>
-          <a:blip r:embed="rId3"/>
-          <a:srcRect l="18184" r="18184"/>
-          <a:stretch>
-            <a:fillRect/>
-          </a:stretch>
-        </p:blipFill>
-        <p:spPr/>
-      </p:pic>
+              <a:t>Seleção de tema</a:t>
+            </a:r>
+            <a:br>
+              <a:rPr lang="pt-BR" dirty="0"/>
+            </a:br>
+            <a:r>
+              <a:rPr lang="pt-BR" dirty="0"/>
+              <a:t>com auxilio de ia</a:t>
+            </a:r>
+          </a:p>
+        </p:txBody>
+      </p:sp>
     </p:spTree>
     <p:extLst>
       <p:ext uri="{BB962C8B-B14F-4D97-AF65-F5344CB8AC3E}">
-        <p14:creationId xmlns:p14="http://schemas.microsoft.com/office/powerpoint/2010/main" val="2241459136"/>
+        <p14:creationId xmlns:p14="http://schemas.microsoft.com/office/powerpoint/2010/main" val="334696707"/>
       </p:ext>
     </p:extLst>
   </p:cSld>
@@ -7960,7 +7618,7 @@
           <p:cNvPr id="2" name="Título 1">
             <a:extLst>
               <a:ext uri="{FF2B5EF4-FFF2-40B4-BE49-F238E27FC236}">
-                <a16:creationId xmlns:a16="http://schemas.microsoft.com/office/drawing/2014/main" id="{0A32731C-311B-46F7-A865-6C3AF6B09A47}"/>
+                <a16:creationId xmlns:a16="http://schemas.microsoft.com/office/drawing/2014/main" id="{A95E2E6A-35EC-1B8E-0FD7-8C67870ACA64}"/>
               </a:ext>
             </a:extLst>
           </p:cNvPr>
@@ -7973,8 +7631,8 @@
         </p:nvSpPr>
         <p:spPr>
           <a:xfrm>
-            <a:off x="1322318" y="268360"/>
-            <a:ext cx="7288282" cy="2121177"/>
+            <a:off x="2833687" y="571140"/>
+            <a:ext cx="8420100" cy="621033"/>
           </a:xfrm>
         </p:spPr>
         <p:txBody>
@@ -7988,31 +7646,69 @@
             <a:pPr rtl="0"/>
             <a:r>
               <a:rPr lang="pt-BR" dirty="0"/>
-              <a:t>Links fornecidos para os temas</a:t>
-            </a:r>
-          </a:p>
-        </p:txBody>
-      </p:sp>
-      <p:sp>
-        <p:nvSpPr>
-          <p:cNvPr id="3" name="Espaço Reservado para Texto 2">
-            <a:extLst>
-              <a:ext uri="{FF2B5EF4-FFF2-40B4-BE49-F238E27FC236}">
-                <a16:creationId xmlns:a16="http://schemas.microsoft.com/office/drawing/2014/main" id="{9D5232F9-FD00-464A-9F17-619C91AEF8F3}"/>
-              </a:ext>
-            </a:extLst>
-          </p:cNvPr>
-          <p:cNvSpPr>
-            <a:spLocks noGrp="1"/>
-          </p:cNvSpPr>
-          <p:nvPr>
-            <p:ph sz="half" idx="2"/>
-          </p:nvPr>
-        </p:nvSpPr>
-        <p:spPr>
-          <a:xfrm>
-            <a:off x="1322388" y="2763079"/>
-            <a:ext cx="7288212" cy="2737610"/>
+              <a:t>Resumo de analise da ia</a:t>
+            </a:r>
+          </a:p>
+        </p:txBody>
+      </p:sp>
+      <p:sp>
+        <p:nvSpPr>
+          <p:cNvPr id="12" name="Espaço Reservado para Texto 11">
+            <a:extLst>
+              <a:ext uri="{FF2B5EF4-FFF2-40B4-BE49-F238E27FC236}">
+                <a16:creationId xmlns:a16="http://schemas.microsoft.com/office/drawing/2014/main" id="{554B61B9-26F6-B304-92CD-03053DAAF2A8}"/>
+              </a:ext>
+            </a:extLst>
+          </p:cNvPr>
+          <p:cNvSpPr>
+            <a:spLocks noGrp="1"/>
+          </p:cNvSpPr>
+          <p:nvPr>
+            <p:ph type="body" idx="1"/>
+          </p:nvPr>
+        </p:nvSpPr>
+        <p:spPr>
+          <a:xfrm>
+            <a:off x="2833687" y="1423038"/>
+            <a:ext cx="3924300" cy="464499"/>
+          </a:xfrm>
+        </p:spPr>
+        <p:txBody>
+          <a:bodyPr rtlCol="0"/>
+          <a:lstStyle>
+            <a:defPPr>
+              <a:defRPr lang="pt-BR"/>
+            </a:defPPr>
+          </a:lstStyle>
+          <a:p>
+            <a:pPr rtl="0"/>
+            <a:r>
+              <a:rPr lang="pt-BR" dirty="0"/>
+              <a:t>Prompt de Comando</a:t>
+            </a:r>
+          </a:p>
+        </p:txBody>
+      </p:sp>
+      <p:sp>
+        <p:nvSpPr>
+          <p:cNvPr id="35" name="Espaço Reservado para Conteúdo 34">
+            <a:extLst>
+              <a:ext uri="{FF2B5EF4-FFF2-40B4-BE49-F238E27FC236}">
+                <a16:creationId xmlns:a16="http://schemas.microsoft.com/office/drawing/2014/main" id="{EDBE6233-75E9-40D1-968F-58CA9AD0FF50}"/>
+              </a:ext>
+            </a:extLst>
+          </p:cNvPr>
+          <p:cNvSpPr>
+            <a:spLocks noGrp="1"/>
+          </p:cNvSpPr>
+          <p:nvPr>
+            <p:ph sz="half" idx="13"/>
+          </p:nvPr>
+        </p:nvSpPr>
+        <p:spPr>
+          <a:xfrm>
+            <a:off x="2833687" y="1838982"/>
+            <a:ext cx="8224838" cy="1310598"/>
           </a:xfrm>
         </p:spPr>
         <p:txBody>
@@ -8025,95 +7721,24 @@
             </a:defPPr>
           </a:lstStyle>
           <a:p>
-            <a:r>
-              <a:rPr lang="en-US" dirty="0"/>
-              <a:t>Os </a:t>
-            </a:r>
-            <a:r>
-              <a:rPr lang="en-US" dirty="0" err="1"/>
-              <a:t>temas</a:t>
-            </a:r>
-            <a:r>
-              <a:rPr lang="en-US" dirty="0"/>
-              <a:t> </a:t>
-            </a:r>
-            <a:r>
-              <a:rPr lang="en-US" dirty="0" err="1"/>
-              <a:t>podem</a:t>
-            </a:r>
-            <a:r>
-              <a:rPr lang="en-US" dirty="0"/>
-              <a:t> ser </a:t>
-            </a:r>
-            <a:r>
-              <a:rPr lang="en-US" dirty="0" err="1"/>
-              <a:t>obtidos</a:t>
-            </a:r>
-            <a:r>
-              <a:rPr lang="en-US" dirty="0"/>
-              <a:t> no </a:t>
-            </a:r>
-            <a:r>
-              <a:rPr lang="en-US" sz="2000" dirty="0"/>
-              <a:t>Kaggle</a:t>
-            </a:r>
-            <a:r>
-              <a:rPr lang="en-US" dirty="0"/>
-              <a:t> a </a:t>
-            </a:r>
-            <a:r>
-              <a:rPr lang="en-US" dirty="0" err="1"/>
-              <a:t>partir</a:t>
-            </a:r>
-            <a:r>
-              <a:rPr lang="en-US" dirty="0"/>
-              <a:t> dos links a </a:t>
-            </a:r>
-            <a:r>
-              <a:rPr lang="en-US" dirty="0" err="1"/>
-              <a:t>seguir</a:t>
-            </a:r>
-            <a:r>
-              <a:rPr lang="en-US" dirty="0"/>
-              <a:t>: </a:t>
-            </a:r>
-          </a:p>
-          <a:p>
-            <a:pPr marL="285750" indent="-285750">
-              <a:buFont typeface="Arial" panose="020B0604020202020204" pitchFamily="34" charset="0"/>
-              <a:buChar char="•"/>
-            </a:pPr>
-            <a:r>
-              <a:rPr lang="en-US" sz="2000" dirty="0"/>
-              <a:t>Music 1950-2019</a:t>
-            </a:r>
-            <a:r>
-              <a:rPr lang="en-US" dirty="0"/>
-              <a:t> https://www.kaggle.com/datasets/saurabhshahane/music-dataset-1950-to-2019</a:t>
-            </a:r>
-          </a:p>
-          <a:p>
-            <a:pPr marL="285750" indent="-285750">
-              <a:buFont typeface="Arial" panose="020B0604020202020204" pitchFamily="34" charset="0"/>
-              <a:buChar char="•"/>
-            </a:pPr>
-            <a:r>
-              <a:rPr lang="en-US" sz="2000" dirty="0"/>
-              <a:t>Music Tracks </a:t>
-            </a:r>
-            <a:r>
-              <a:rPr lang="en-US" dirty="0"/>
-              <a:t>https://www.kaggle.com/datasets/thebumpkin/10400-classic-hits-10-genres-1923to-2023</a:t>
-            </a:r>
-          </a:p>
-        </p:txBody>
-      </p:sp>
-      <p:sp>
-        <p:nvSpPr>
-          <p:cNvPr id="14" name="Espaço Reservado para o Número do Slide 5">
-            <a:extLst>
-              <a:ext uri="{FF2B5EF4-FFF2-40B4-BE49-F238E27FC236}">
-                <a16:creationId xmlns:a16="http://schemas.microsoft.com/office/drawing/2014/main" id="{ECE635A2-70B8-3EAB-6A18-952B02EBAA1E}"/>
+            <a:pPr algn="just"/>
+            <a:r>
+              <a:rPr lang="pt-BR" dirty="0"/>
+              <a:t>Entre os dois arquivos Tema de Análise, ‘tcc_ceds_music.csv’ e ‘ClassicHit.csv’, considerando os dados disponíveis nas colunas descritas na primeira linha de cada arquivo, qual dos dois apresenta maior consistência e riqueza de informações estatísticas?  </a:t>
+            </a:r>
+          </a:p>
+          <a:p>
+            <a:pPr rtl="0"/>
+            <a:endParaRPr lang="pt-BR" dirty="0"/>
+          </a:p>
+        </p:txBody>
+      </p:sp>
+      <p:sp>
+        <p:nvSpPr>
+          <p:cNvPr id="8" name="Espaço Reservado para o Número do Slide 7">
+            <a:extLst>
+              <a:ext uri="{FF2B5EF4-FFF2-40B4-BE49-F238E27FC236}">
+                <a16:creationId xmlns:a16="http://schemas.microsoft.com/office/drawing/2014/main" id="{8F44A959-C2BB-9170-C99C-1A2EDB71B994}"/>
               </a:ext>
             </a:extLst>
           </p:cNvPr>
@@ -8141,277 +7766,8 @@
             <a:pPr rtl="0"/>
             <a:fld id="{A49DFD55-3C28-40EF-9E31-A92D2E4017FF}" type="slidenum">
               <a:rPr lang="pt-BR" smtClean="0"/>
-              <a:pPr/>
+              <a:pPr rtl="0"/>
               <a:t>5</a:t>
-            </a:fld>
-            <a:endParaRPr lang="pt-BR" dirty="0"/>
-          </a:p>
-        </p:txBody>
-      </p:sp>
-    </p:spTree>
-    <p:extLst>
-      <p:ext uri="{BB962C8B-B14F-4D97-AF65-F5344CB8AC3E}">
-        <p14:creationId xmlns:p14="http://schemas.microsoft.com/office/powerpoint/2010/main" val="3571516367"/>
-      </p:ext>
-    </p:extLst>
-  </p:cSld>
-  <p:clrMapOvr>
-    <a:masterClrMapping/>
-  </p:clrMapOvr>
-</p:sld>
-</file>
-
-<file path=ppt/slides/slide6.xml><?xml version="1.0" encoding="utf-8"?>
-<p:sld xmlns:a="http://schemas.openxmlformats.org/drawingml/2006/main" xmlns:r="http://schemas.openxmlformats.org/officeDocument/2006/relationships" xmlns:p="http://schemas.openxmlformats.org/presentationml/2006/main">
-  <p:cSld>
-    <p:spTree>
-      <p:nvGrpSpPr>
-        <p:cNvPr id="1" name=""/>
-        <p:cNvGrpSpPr/>
-        <p:nvPr/>
-      </p:nvGrpSpPr>
-      <p:grpSpPr>
-        <a:xfrm>
-          <a:off x="0" y="0"/>
-          <a:ext cx="0" cy="0"/>
-          <a:chOff x="0" y="0"/>
-          <a:chExt cx="0" cy="0"/>
-        </a:xfrm>
-      </p:grpSpPr>
-      <p:sp>
-        <p:nvSpPr>
-          <p:cNvPr id="2" name="Título 1">
-            <a:extLst>
-              <a:ext uri="{FF2B5EF4-FFF2-40B4-BE49-F238E27FC236}">
-                <a16:creationId xmlns:a16="http://schemas.microsoft.com/office/drawing/2014/main" id="{566C97BE-403B-122E-90D1-2788978A0B6F}"/>
-              </a:ext>
-            </a:extLst>
-          </p:cNvPr>
-          <p:cNvSpPr>
-            <a:spLocks noGrp="1"/>
-          </p:cNvSpPr>
-          <p:nvPr>
-            <p:ph type="ctrTitle"/>
-          </p:nvPr>
-        </p:nvSpPr>
-        <p:spPr>
-          <a:xfrm>
-            <a:off x="6543675" y="406400"/>
-            <a:ext cx="4627245" cy="3457971"/>
-          </a:xfrm>
-        </p:spPr>
-        <p:txBody>
-          <a:bodyPr rtlCol="0"/>
-          <a:lstStyle>
-            <a:defPPr>
-              <a:defRPr lang="pt-BR"/>
-            </a:defPPr>
-          </a:lstStyle>
-          <a:p>
-            <a:pPr rtl="0">
-              <a:lnSpc>
-                <a:spcPct val="100000"/>
-              </a:lnSpc>
-            </a:pPr>
-            <a:r>
-              <a:rPr lang="pt-BR" dirty="0"/>
-              <a:t>Seleção de tema</a:t>
-            </a:r>
-            <a:br>
-              <a:rPr lang="pt-BR" dirty="0"/>
-            </a:br>
-            <a:r>
-              <a:rPr lang="pt-BR" dirty="0"/>
-              <a:t>com auxilio de ia</a:t>
-            </a:r>
-          </a:p>
-        </p:txBody>
-      </p:sp>
-    </p:spTree>
-    <p:extLst>
-      <p:ext uri="{BB962C8B-B14F-4D97-AF65-F5344CB8AC3E}">
-        <p14:creationId xmlns:p14="http://schemas.microsoft.com/office/powerpoint/2010/main" val="334696707"/>
-      </p:ext>
-    </p:extLst>
-  </p:cSld>
-  <p:clrMapOvr>
-    <a:masterClrMapping/>
-  </p:clrMapOvr>
-</p:sld>
-</file>
-
-<file path=ppt/slides/slide7.xml><?xml version="1.0" encoding="utf-8"?>
-<p:sld xmlns:a="http://schemas.openxmlformats.org/drawingml/2006/main" xmlns:r="http://schemas.openxmlformats.org/officeDocument/2006/relationships" xmlns:p="http://schemas.openxmlformats.org/presentationml/2006/main">
-  <p:cSld>
-    <p:spTree>
-      <p:nvGrpSpPr>
-        <p:cNvPr id="1" name=""/>
-        <p:cNvGrpSpPr/>
-        <p:nvPr/>
-      </p:nvGrpSpPr>
-      <p:grpSpPr>
-        <a:xfrm>
-          <a:off x="0" y="0"/>
-          <a:ext cx="0" cy="0"/>
-          <a:chOff x="0" y="0"/>
-          <a:chExt cx="0" cy="0"/>
-        </a:xfrm>
-      </p:grpSpPr>
-      <p:sp>
-        <p:nvSpPr>
-          <p:cNvPr id="2" name="Título 1">
-            <a:extLst>
-              <a:ext uri="{FF2B5EF4-FFF2-40B4-BE49-F238E27FC236}">
-                <a16:creationId xmlns:a16="http://schemas.microsoft.com/office/drawing/2014/main" id="{A95E2E6A-35EC-1B8E-0FD7-8C67870ACA64}"/>
-              </a:ext>
-            </a:extLst>
-          </p:cNvPr>
-          <p:cNvSpPr>
-            <a:spLocks noGrp="1"/>
-          </p:cNvSpPr>
-          <p:nvPr>
-            <p:ph type="title"/>
-          </p:nvPr>
-        </p:nvSpPr>
-        <p:spPr>
-          <a:xfrm>
-            <a:off x="2833687" y="571140"/>
-            <a:ext cx="8420100" cy="621033"/>
-          </a:xfrm>
-        </p:spPr>
-        <p:txBody>
-          <a:bodyPr rtlCol="0"/>
-          <a:lstStyle>
-            <a:defPPr>
-              <a:defRPr lang="pt-BR"/>
-            </a:defPPr>
-          </a:lstStyle>
-          <a:p>
-            <a:pPr rtl="0"/>
-            <a:r>
-              <a:rPr lang="pt-BR" dirty="0"/>
-              <a:t>Resumo de analise da ia</a:t>
-            </a:r>
-          </a:p>
-        </p:txBody>
-      </p:sp>
-      <p:sp>
-        <p:nvSpPr>
-          <p:cNvPr id="12" name="Espaço Reservado para Texto 11">
-            <a:extLst>
-              <a:ext uri="{FF2B5EF4-FFF2-40B4-BE49-F238E27FC236}">
-                <a16:creationId xmlns:a16="http://schemas.microsoft.com/office/drawing/2014/main" id="{554B61B9-26F6-B304-92CD-03053DAAF2A8}"/>
-              </a:ext>
-            </a:extLst>
-          </p:cNvPr>
-          <p:cNvSpPr>
-            <a:spLocks noGrp="1"/>
-          </p:cNvSpPr>
-          <p:nvPr>
-            <p:ph type="body" idx="1"/>
-          </p:nvPr>
-        </p:nvSpPr>
-        <p:spPr>
-          <a:xfrm>
-            <a:off x="2833687" y="1423038"/>
-            <a:ext cx="3924300" cy="464499"/>
-          </a:xfrm>
-        </p:spPr>
-        <p:txBody>
-          <a:bodyPr rtlCol="0"/>
-          <a:lstStyle>
-            <a:defPPr>
-              <a:defRPr lang="pt-BR"/>
-            </a:defPPr>
-          </a:lstStyle>
-          <a:p>
-            <a:pPr rtl="0"/>
-            <a:r>
-              <a:rPr lang="pt-BR" dirty="0"/>
-              <a:t>Prompt de Comando</a:t>
-            </a:r>
-          </a:p>
-        </p:txBody>
-      </p:sp>
-      <p:sp>
-        <p:nvSpPr>
-          <p:cNvPr id="35" name="Espaço Reservado para Conteúdo 34">
-            <a:extLst>
-              <a:ext uri="{FF2B5EF4-FFF2-40B4-BE49-F238E27FC236}">
-                <a16:creationId xmlns:a16="http://schemas.microsoft.com/office/drawing/2014/main" id="{EDBE6233-75E9-40D1-968F-58CA9AD0FF50}"/>
-              </a:ext>
-            </a:extLst>
-          </p:cNvPr>
-          <p:cNvSpPr>
-            <a:spLocks noGrp="1"/>
-          </p:cNvSpPr>
-          <p:nvPr>
-            <p:ph sz="half" idx="13"/>
-          </p:nvPr>
-        </p:nvSpPr>
-        <p:spPr>
-          <a:xfrm>
-            <a:off x="2833687" y="1838982"/>
-            <a:ext cx="8224838" cy="1310598"/>
-          </a:xfrm>
-        </p:spPr>
-        <p:txBody>
-          <a:bodyPr rtlCol="0">
-            <a:normAutofit/>
-          </a:bodyPr>
-          <a:lstStyle>
-            <a:defPPr>
-              <a:defRPr lang="pt-BR"/>
-            </a:defPPr>
-          </a:lstStyle>
-          <a:p>
-            <a:pPr algn="just"/>
-            <a:r>
-              <a:rPr lang="pt-BR" dirty="0"/>
-              <a:t>Entre os dois arquivos Tema de Análise, ‘tcc_ceds_music.csv’ e ‘ClassicHit.csv’, considerando os dados disponíveis nas colunas descritas na primeira linha de cada arquivo, qual dos dois apresenta maior consistência e riqueza de informações estatísticas?  </a:t>
-            </a:r>
-          </a:p>
-          <a:p>
-            <a:pPr rtl="0"/>
-            <a:endParaRPr lang="pt-BR" dirty="0"/>
-          </a:p>
-        </p:txBody>
-      </p:sp>
-      <p:sp>
-        <p:nvSpPr>
-          <p:cNvPr id="8" name="Espaço Reservado para o Número do Slide 7">
-            <a:extLst>
-              <a:ext uri="{FF2B5EF4-FFF2-40B4-BE49-F238E27FC236}">
-                <a16:creationId xmlns:a16="http://schemas.microsoft.com/office/drawing/2014/main" id="{8F44A959-C2BB-9170-C99C-1A2EDB71B994}"/>
-              </a:ext>
-            </a:extLst>
-          </p:cNvPr>
-          <p:cNvSpPr>
-            <a:spLocks noGrp="1"/>
-          </p:cNvSpPr>
-          <p:nvPr>
-            <p:ph type="sldNum" sz="quarter" idx="12"/>
-          </p:nvPr>
-        </p:nvSpPr>
-        <p:spPr>
-          <a:xfrm>
-            <a:off x="10373350" y="6356349"/>
-            <a:ext cx="987552" cy="365125"/>
-          </a:xfrm>
-        </p:spPr>
-        <p:txBody>
-          <a:bodyPr rtlCol="0"/>
-          <a:lstStyle>
-            <a:defPPr>
-              <a:defRPr lang="pt-BR"/>
-            </a:defPPr>
-          </a:lstStyle>
-          <a:p>
-            <a:pPr rtl="0"/>
-            <a:fld id="{A49DFD55-3C28-40EF-9E31-A92D2E4017FF}" type="slidenum">
-              <a:rPr lang="pt-BR" smtClean="0"/>
-              <a:pPr/>
-              <a:t>7</a:t>
             </a:fld>
             <a:endParaRPr lang="pt-BR" dirty="0"/>
           </a:p>
@@ -8688,7 +8044,7 @@
 </p:sld>
 </file>
 
-<file path=ppt/slides/slide8.xml><?xml version="1.0" encoding="utf-8"?>
+<file path=ppt/slides/slide6.xml><?xml version="1.0" encoding="utf-8"?>
 <p:sld xmlns:a="http://schemas.openxmlformats.org/drawingml/2006/main" xmlns:r="http://schemas.openxmlformats.org/officeDocument/2006/relationships" xmlns:p="http://schemas.openxmlformats.org/presentationml/2006/main">
   <p:cSld>
     <p:spTree>
@@ -8863,8 +8219,8 @@
             <a:pPr rtl="0"/>
             <a:fld id="{A49DFD55-3C28-40EF-9E31-A92D2E4017FF}" type="slidenum">
               <a:rPr lang="pt-BR" smtClean="0"/>
-              <a:pPr/>
-              <a:t>8</a:t>
+              <a:pPr rtl="0"/>
+              <a:t>6</a:t>
             </a:fld>
             <a:endParaRPr lang="pt-BR" dirty="0"/>
           </a:p>
@@ -8883,7 +8239,7 @@
 </p:sld>
 </file>
 
-<file path=ppt/slides/slide9.xml><?xml version="1.0" encoding="utf-8"?>
+<file path=ppt/slides/slide7.xml><?xml version="1.0" encoding="utf-8"?>
 <p:sld xmlns:a="http://schemas.openxmlformats.org/drawingml/2006/main" xmlns:r="http://schemas.openxmlformats.org/officeDocument/2006/relationships" xmlns:p="http://schemas.openxmlformats.org/presentationml/2006/main">
   <p:cSld>
     <p:spTree>
@@ -8934,7 +8290,7 @@
             <a:fld id="{A49DFD55-3C28-40EF-9E31-A92D2E4017FF}" type="slidenum">
               <a:rPr lang="pt-BR" smtClean="0"/>
               <a:pPr rtl="0"/>
-              <a:t>9</a:t>
+              <a:t>7</a:t>
             </a:fld>
             <a:endParaRPr lang="pt-BR" dirty="0"/>
           </a:p>
@@ -9244,6 +8600,389 @@
     <p:extLst>
       <p:ext uri="{BB962C8B-B14F-4D97-AF65-F5344CB8AC3E}">
         <p14:creationId xmlns:p14="http://schemas.microsoft.com/office/powerpoint/2010/main" val="2403577982"/>
+      </p:ext>
+    </p:extLst>
+  </p:cSld>
+  <p:clrMapOvr>
+    <a:masterClrMapping/>
+  </p:clrMapOvr>
+</p:sld>
+</file>
+
+<file path=ppt/slides/slide8.xml><?xml version="1.0" encoding="utf-8"?>
+<p:sld xmlns:a="http://schemas.openxmlformats.org/drawingml/2006/main" xmlns:r="http://schemas.openxmlformats.org/officeDocument/2006/relationships" xmlns:p="http://schemas.openxmlformats.org/presentationml/2006/main">
+  <p:cSld>
+    <p:spTree>
+      <p:nvGrpSpPr>
+        <p:cNvPr id="1" name=""/>
+        <p:cNvGrpSpPr/>
+        <p:nvPr/>
+      </p:nvGrpSpPr>
+      <p:grpSpPr>
+        <a:xfrm>
+          <a:off x="0" y="0"/>
+          <a:ext cx="0" cy="0"/>
+          <a:chOff x="0" y="0"/>
+          <a:chExt cx="0" cy="0"/>
+        </a:xfrm>
+      </p:grpSpPr>
+      <p:sp>
+        <p:nvSpPr>
+          <p:cNvPr id="2" name="Título 1">
+            <a:extLst>
+              <a:ext uri="{FF2B5EF4-FFF2-40B4-BE49-F238E27FC236}">
+                <a16:creationId xmlns:a16="http://schemas.microsoft.com/office/drawing/2014/main" id="{2C5AF976-2393-254A-0A9C-D5CA4CC9F3F5}"/>
+              </a:ext>
+            </a:extLst>
+          </p:cNvPr>
+          <p:cNvSpPr>
+            <a:spLocks noGrp="1"/>
+          </p:cNvSpPr>
+          <p:nvPr>
+            <p:ph type="title"/>
+          </p:nvPr>
+        </p:nvSpPr>
+        <p:spPr>
+          <a:xfrm>
+            <a:off x="6536803" y="3792691"/>
+            <a:ext cx="5655197" cy="1020609"/>
+          </a:xfrm>
+        </p:spPr>
+        <p:txBody>
+          <a:bodyPr>
+            <a:normAutofit/>
+          </a:bodyPr>
+          <a:lstStyle/>
+          <a:p>
+            <a:r>
+              <a:rPr lang="pt-BR" sz="5400" b="1" dirty="0" err="1"/>
+              <a:t>dASHBOARD</a:t>
+            </a:r>
+            <a:endParaRPr lang="pt-BR" sz="5400" b="1" dirty="0"/>
+          </a:p>
+        </p:txBody>
+      </p:sp>
+      <p:sp>
+        <p:nvSpPr>
+          <p:cNvPr id="7" name="Espaço Reservado para Número de Slide 6">
+            <a:extLst>
+              <a:ext uri="{FF2B5EF4-FFF2-40B4-BE49-F238E27FC236}">
+                <a16:creationId xmlns:a16="http://schemas.microsoft.com/office/drawing/2014/main" id="{D8FCBC0C-AADE-5466-0CA9-1B594FF93939}"/>
+              </a:ext>
+            </a:extLst>
+          </p:cNvPr>
+          <p:cNvSpPr>
+            <a:spLocks noGrp="1"/>
+          </p:cNvSpPr>
+          <p:nvPr>
+            <p:ph type="sldNum" sz="quarter" idx="12"/>
+          </p:nvPr>
+        </p:nvSpPr>
+        <p:spPr/>
+        <p:txBody>
+          <a:bodyPr/>
+          <a:lstStyle/>
+          <a:p>
+            <a:pPr rtl="0"/>
+            <a:fld id="{A49DFD55-3C28-40EF-9E31-A92D2E4017FF}" type="slidenum">
+              <a:rPr lang="pt-BR" smtClean="0"/>
+              <a:pPr rtl="0"/>
+              <a:t>8</a:t>
+            </a:fld>
+            <a:endParaRPr lang="pt-BR" dirty="0"/>
+          </a:p>
+        </p:txBody>
+      </p:sp>
+      <p:pic>
+        <p:nvPicPr>
+          <p:cNvPr id="12" name="Espaço Reservado para Imagem 6" descr="Luzes de discoteca">
+            <a:extLst>
+              <a:ext uri="{FF2B5EF4-FFF2-40B4-BE49-F238E27FC236}">
+                <a16:creationId xmlns:a16="http://schemas.microsoft.com/office/drawing/2014/main" id="{7EE3A670-7084-5D33-0DE6-DA3939EEF60B}"/>
+              </a:ext>
+            </a:extLst>
+          </p:cNvPr>
+          <p:cNvPicPr>
+            <a:picLocks noChangeAspect="1"/>
+          </p:cNvPicPr>
+          <p:nvPr/>
+        </p:nvPicPr>
+        <p:blipFill>
+          <a:blip r:embed="rId2"/>
+          <a:srcRect l="18184" r="18184"/>
+          <a:stretch>
+            <a:fillRect/>
+          </a:stretch>
+        </p:blipFill>
+        <p:spPr>
+          <a:xfrm>
+            <a:off x="0" y="0"/>
+            <a:ext cx="6576291" cy="6872605"/>
+          </a:xfrm>
+          <a:custGeom>
+            <a:avLst/>
+            <a:gdLst>
+              <a:gd name="connsiteX0" fmla="*/ 0 w 6576291"/>
+              <a:gd name="connsiteY0" fmla="*/ 0 h 6867525"/>
+              <a:gd name="connsiteX1" fmla="*/ 6576291 w 6576291"/>
+              <a:gd name="connsiteY1" fmla="*/ 0 h 6867525"/>
+              <a:gd name="connsiteX2" fmla="*/ 6576291 w 6576291"/>
+              <a:gd name="connsiteY2" fmla="*/ 6867525 h 6867525"/>
+              <a:gd name="connsiteX3" fmla="*/ 0 w 6576291"/>
+              <a:gd name="connsiteY3" fmla="*/ 6867525 h 6867525"/>
+              <a:gd name="connsiteX4" fmla="*/ 0 w 6576291"/>
+              <a:gd name="connsiteY4" fmla="*/ 0 h 6867525"/>
+              <a:gd name="connsiteX0" fmla="*/ 0 w 6576291"/>
+              <a:gd name="connsiteY0" fmla="*/ 5080 h 6872605"/>
+              <a:gd name="connsiteX1" fmla="*/ 3604491 w 6576291"/>
+              <a:gd name="connsiteY1" fmla="*/ 0 h 6872605"/>
+              <a:gd name="connsiteX2" fmla="*/ 6576291 w 6576291"/>
+              <a:gd name="connsiteY2" fmla="*/ 6872605 h 6872605"/>
+              <a:gd name="connsiteX3" fmla="*/ 0 w 6576291"/>
+              <a:gd name="connsiteY3" fmla="*/ 6872605 h 6872605"/>
+              <a:gd name="connsiteX4" fmla="*/ 0 w 6576291"/>
+              <a:gd name="connsiteY4" fmla="*/ 5080 h 6872605"/>
+              <a:gd name="connsiteX0" fmla="*/ 0 w 6576291"/>
+              <a:gd name="connsiteY0" fmla="*/ 0 h 6867525"/>
+              <a:gd name="connsiteX1" fmla="*/ 3624811 w 6576291"/>
+              <a:gd name="connsiteY1" fmla="*/ 10160 h 6867525"/>
+              <a:gd name="connsiteX2" fmla="*/ 6576291 w 6576291"/>
+              <a:gd name="connsiteY2" fmla="*/ 6867525 h 6867525"/>
+              <a:gd name="connsiteX3" fmla="*/ 0 w 6576291"/>
+              <a:gd name="connsiteY3" fmla="*/ 6867525 h 6867525"/>
+              <a:gd name="connsiteX4" fmla="*/ 0 w 6576291"/>
+              <a:gd name="connsiteY4" fmla="*/ 0 h 6867525"/>
+              <a:gd name="connsiteX0" fmla="*/ 0 w 6576291"/>
+              <a:gd name="connsiteY0" fmla="*/ 5080 h 6872605"/>
+              <a:gd name="connsiteX1" fmla="*/ 3629891 w 6576291"/>
+              <a:gd name="connsiteY1" fmla="*/ 0 h 6872605"/>
+              <a:gd name="connsiteX2" fmla="*/ 6576291 w 6576291"/>
+              <a:gd name="connsiteY2" fmla="*/ 6872605 h 6872605"/>
+              <a:gd name="connsiteX3" fmla="*/ 0 w 6576291"/>
+              <a:gd name="connsiteY3" fmla="*/ 6872605 h 6872605"/>
+              <a:gd name="connsiteX4" fmla="*/ 0 w 6576291"/>
+              <a:gd name="connsiteY4" fmla="*/ 5080 h 6872605"/>
+            </a:gdLst>
+            <a:ahLst/>
+            <a:cxnLst>
+              <a:cxn ang="0">
+                <a:pos x="connsiteX0" y="connsiteY0"/>
+              </a:cxn>
+              <a:cxn ang="0">
+                <a:pos x="connsiteX1" y="connsiteY1"/>
+              </a:cxn>
+              <a:cxn ang="0">
+                <a:pos x="connsiteX2" y="connsiteY2"/>
+              </a:cxn>
+              <a:cxn ang="0">
+                <a:pos x="connsiteX3" y="connsiteY3"/>
+              </a:cxn>
+              <a:cxn ang="0">
+                <a:pos x="connsiteX4" y="connsiteY4"/>
+              </a:cxn>
+            </a:cxnLst>
+            <a:rect l="l" t="t" r="r" b="b"/>
+            <a:pathLst>
+              <a:path w="6576291" h="6872605">
+                <a:moveTo>
+                  <a:pt x="0" y="5080"/>
+                </a:moveTo>
+                <a:lnTo>
+                  <a:pt x="3629891" y="0"/>
+                </a:lnTo>
+                <a:lnTo>
+                  <a:pt x="6576291" y="6872605"/>
+                </a:lnTo>
+                <a:lnTo>
+                  <a:pt x="0" y="6872605"/>
+                </a:lnTo>
+                <a:lnTo>
+                  <a:pt x="0" y="5080"/>
+                </a:lnTo>
+                <a:close/>
+              </a:path>
+            </a:pathLst>
+          </a:custGeom>
+        </p:spPr>
+      </p:pic>
+    </p:spTree>
+    <p:extLst>
+      <p:ext uri="{BB962C8B-B14F-4D97-AF65-F5344CB8AC3E}">
+        <p14:creationId xmlns:p14="http://schemas.microsoft.com/office/powerpoint/2010/main" val="4210864898"/>
+      </p:ext>
+    </p:extLst>
+  </p:cSld>
+  <p:clrMapOvr>
+    <a:masterClrMapping/>
+  </p:clrMapOvr>
+</p:sld>
+</file>
+
+<file path=ppt/slides/slide9.xml><?xml version="1.0" encoding="utf-8"?>
+<p:sld xmlns:a="http://schemas.openxmlformats.org/drawingml/2006/main" xmlns:r="http://schemas.openxmlformats.org/officeDocument/2006/relationships" xmlns:p="http://schemas.openxmlformats.org/presentationml/2006/main">
+  <p:cSld>
+    <p:spTree>
+      <p:nvGrpSpPr>
+        <p:cNvPr id="1" name=""/>
+        <p:cNvGrpSpPr/>
+        <p:nvPr/>
+      </p:nvGrpSpPr>
+      <p:grpSpPr>
+        <a:xfrm>
+          <a:off x="0" y="0"/>
+          <a:ext cx="0" cy="0"/>
+          <a:chOff x="0" y="0"/>
+          <a:chExt cx="0" cy="0"/>
+        </a:xfrm>
+      </p:grpSpPr>
+      <p:sp>
+        <p:nvSpPr>
+          <p:cNvPr id="2" name="Título 1">
+            <a:extLst>
+              <a:ext uri="{FF2B5EF4-FFF2-40B4-BE49-F238E27FC236}">
+                <a16:creationId xmlns:a16="http://schemas.microsoft.com/office/drawing/2014/main" id="{8BDF1EDE-5423-435C-B149-87AB1BC22B83}"/>
+              </a:ext>
+            </a:extLst>
+          </p:cNvPr>
+          <p:cNvSpPr>
+            <a:spLocks noGrp="1"/>
+          </p:cNvSpPr>
+          <p:nvPr>
+            <p:ph type="ctrTitle"/>
+          </p:nvPr>
+        </p:nvSpPr>
+        <p:spPr>
+          <a:xfrm>
+            <a:off x="4267200" y="1615736"/>
+            <a:ext cx="4179570" cy="1524735"/>
+          </a:xfrm>
+        </p:spPr>
+        <p:txBody>
+          <a:bodyPr rtlCol="0"/>
+          <a:lstStyle>
+            <a:defPPr>
+              <a:defRPr lang="pt-BR"/>
+            </a:defPPr>
+          </a:lstStyle>
+          <a:p>
+            <a:pPr rtl="0"/>
+            <a:r>
+              <a:rPr lang="pt-BR"/>
+              <a:t>OBRIGADO</a:t>
+            </a:r>
+          </a:p>
+        </p:txBody>
+      </p:sp>
+      <p:sp>
+        <p:nvSpPr>
+          <p:cNvPr id="3" name="Subtítulo 2">
+            <a:extLst>
+              <a:ext uri="{FF2B5EF4-FFF2-40B4-BE49-F238E27FC236}">
+                <a16:creationId xmlns:a16="http://schemas.microsoft.com/office/drawing/2014/main" id="{AF64C29E-DF30-4DC6-AB95-2016F9A703B6}"/>
+              </a:ext>
+            </a:extLst>
+          </p:cNvPr>
+          <p:cNvSpPr>
+            <a:spLocks noGrp="1"/>
+          </p:cNvSpPr>
+          <p:nvPr>
+            <p:ph type="subTitle" idx="1"/>
+          </p:nvPr>
+        </p:nvSpPr>
+        <p:spPr>
+          <a:xfrm>
+            <a:off x="4267200" y="3238103"/>
+            <a:ext cx="4179570" cy="2850181"/>
+          </a:xfrm>
+        </p:spPr>
+        <p:txBody>
+          <a:bodyPr rtlCol="0">
+            <a:noAutofit/>
+          </a:bodyPr>
+          <a:lstStyle>
+            <a:defPPr>
+              <a:defRPr lang="pt-BR"/>
+            </a:defPPr>
+          </a:lstStyle>
+          <a:p>
+            <a:pPr rtl="0"/>
+            <a:r>
+              <a:rPr lang="pt-BR" sz="2400" b="1" dirty="0"/>
+              <a:t>GRUPO 4</a:t>
+            </a:r>
+          </a:p>
+          <a:p>
+            <a:r>
+              <a:rPr lang="pt-BR" dirty="0"/>
+              <a:t>FERNANDO DIECKMANN MEDEIROS  </a:t>
+            </a:r>
+          </a:p>
+          <a:p>
+            <a:r>
+              <a:rPr lang="pt-BR" dirty="0"/>
+              <a:t>DANTON DE CAMPOS RODRIGUES </a:t>
+            </a:r>
+          </a:p>
+          <a:p>
+            <a:r>
+              <a:rPr lang="pt-BR" dirty="0"/>
+              <a:t>MATEUS DE ARAUJO FRAGA DA ROSA  </a:t>
+            </a:r>
+          </a:p>
+          <a:p>
+            <a:pPr rtl="0"/>
+            <a:endParaRPr lang="pt-BR" dirty="0"/>
+          </a:p>
+          <a:p>
+            <a:pPr rtl="0"/>
+            <a:endParaRPr lang="pt-BR" dirty="0"/>
+          </a:p>
+        </p:txBody>
+      </p:sp>
+      <p:sp>
+        <p:nvSpPr>
+          <p:cNvPr id="6" name="Espaço Reservado para o Número do Slide 5">
+            <a:extLst>
+              <a:ext uri="{FF2B5EF4-FFF2-40B4-BE49-F238E27FC236}">
+                <a16:creationId xmlns:a16="http://schemas.microsoft.com/office/drawing/2014/main" id="{4C127D99-645F-4FCF-9573-FDFE2A344FA9}"/>
+              </a:ext>
+            </a:extLst>
+          </p:cNvPr>
+          <p:cNvSpPr>
+            <a:spLocks noGrp="1"/>
+          </p:cNvSpPr>
+          <p:nvPr>
+            <p:ph type="sldNum" sz="quarter" idx="12"/>
+          </p:nvPr>
+        </p:nvSpPr>
+        <p:spPr>
+          <a:xfrm>
+            <a:off x="9579428" y="6356350"/>
+            <a:ext cx="1774371" cy="365125"/>
+          </a:xfrm>
+        </p:spPr>
+        <p:txBody>
+          <a:bodyPr rtlCol="0"/>
+          <a:lstStyle>
+            <a:defPPr>
+              <a:defRPr lang="pt-BR"/>
+            </a:defPPr>
+          </a:lstStyle>
+          <a:p>
+            <a:pPr rtl="0"/>
+            <a:fld id="{A49DFD55-3C28-40EF-9E31-A92D2E4017FF}" type="slidenum">
+              <a:rPr lang="pt-BR" smtClean="0"/>
+              <a:pPr rtl="0"/>
+              <a:t>9</a:t>
+            </a:fld>
+            <a:endParaRPr lang="pt-BR" dirty="0"/>
+          </a:p>
+        </p:txBody>
+      </p:sp>
+    </p:spTree>
+    <p:extLst>
+      <p:ext uri="{BB962C8B-B14F-4D97-AF65-F5344CB8AC3E}">
+        <p14:creationId xmlns:p14="http://schemas.microsoft.com/office/powerpoint/2010/main" val="1969787568"/>
       </p:ext>
     </p:extLst>
   </p:cSld>
